--- a/02_Modelul_relational/02_Modelul_relational.pptx
+++ b/02_Modelul_relational/02_Modelul_relational.pptx
@@ -332,7 +332,7 @@
             <a:fld id="{FCC5CB2E-E12D-4328-B570-FBC4F29E3D11}" type="datetimeFigureOut">
               <a:rPr lang="en-US" smtClean="0"/>
               <a:pPr/>
-              <a:t>9/22/18</a:t>
+              <a:t>2/26/20</a:t>
             </a:fld>
             <a:endParaRPr lang="en-US"/>
           </a:p>
@@ -2158,7 +2158,7 @@
           <a:lstStyle/>
           <a:p>
             <a:fld id="{E283C4F9-C31D-5E4D-ADDD-74881D703AEC}" type="datetimeFigureOut">
-              <a:t>22.09.2018</a:t>
+              <a:t>26/02/2020</a:t>
             </a:fld>
             <a:endParaRPr lang="en-US"/>
           </a:p>
@@ -2324,7 +2324,7 @@
           <a:lstStyle/>
           <a:p>
             <a:fld id="{E283C4F9-C31D-5E4D-ADDD-74881D703AEC}" type="datetimeFigureOut">
-              <a:t>22.09.2018</a:t>
+              <a:t>26/02/2020</a:t>
             </a:fld>
             <a:endParaRPr lang="en-US"/>
           </a:p>
@@ -2567,7 +2567,7 @@
           <a:lstStyle/>
           <a:p>
             <a:fld id="{E283C4F9-C31D-5E4D-ADDD-74881D703AEC}" type="datetimeFigureOut">
-              <a:t>22.09.2018</a:t>
+              <a:t>26/02/2020</a:t>
             </a:fld>
             <a:endParaRPr lang="en-US"/>
           </a:p>
@@ -2850,7 +2850,7 @@
           <a:lstStyle/>
           <a:p>
             <a:fld id="{E283C4F9-C31D-5E4D-ADDD-74881D703AEC}" type="datetimeFigureOut">
-              <a:t>22.09.2018</a:t>
+              <a:t>26/02/2020</a:t>
             </a:fld>
             <a:endParaRPr lang="en-US"/>
           </a:p>
@@ -3267,7 +3267,7 @@
           <a:lstStyle/>
           <a:p>
             <a:fld id="{E283C4F9-C31D-5E4D-ADDD-74881D703AEC}" type="datetimeFigureOut">
-              <a:t>22.09.2018</a:t>
+              <a:t>26/02/2020</a:t>
             </a:fld>
             <a:endParaRPr lang="en-US"/>
           </a:p>
@@ -3382,7 +3382,7 @@
           <a:lstStyle/>
           <a:p>
             <a:fld id="{E283C4F9-C31D-5E4D-ADDD-74881D703AEC}" type="datetimeFigureOut">
-              <a:t>22.09.2018</a:t>
+              <a:t>26/02/2020</a:t>
             </a:fld>
             <a:endParaRPr lang="en-US"/>
           </a:p>
@@ -3661,7 +3661,7 @@
           <a:lstStyle/>
           <a:p>
             <a:fld id="{E283C4F9-C31D-5E4D-ADDD-74881D703AEC}" type="datetimeFigureOut">
-              <a:t>22.09.2018</a:t>
+              <a:t>26/02/2020</a:t>
             </a:fld>
             <a:endParaRPr lang="en-US"/>
           </a:p>
@@ -3934,7 +3934,7 @@
           <a:lstStyle/>
           <a:p>
             <a:fld id="{E283C4F9-C31D-5E4D-ADDD-74881D703AEC}" type="datetimeFigureOut">
-              <a:t>22.09.2018</a:t>
+              <a:t>26/02/2020</a:t>
             </a:fld>
             <a:endParaRPr lang="en-US"/>
           </a:p>
@@ -4184,7 +4184,7 @@
           <a:lstStyle/>
           <a:p>
             <a:fld id="{E283C4F9-C31D-5E4D-ADDD-74881D703AEC}" type="datetimeFigureOut">
-              <a:t>22.09.2018</a:t>
+              <a:t>26/02/2020</a:t>
             </a:fld>
             <a:endParaRPr lang="en-US"/>
           </a:p>
@@ -4350,7 +4350,7 @@
           <a:lstStyle/>
           <a:p>
             <a:fld id="{E283C4F9-C31D-5E4D-ADDD-74881D703AEC}" type="datetimeFigureOut">
-              <a:t>22.09.2018</a:t>
+              <a:t>26/02/2020</a:t>
             </a:fld>
             <a:endParaRPr lang="en-US"/>
           </a:p>
@@ -4526,7 +4526,7 @@
           <a:lstStyle/>
           <a:p>
             <a:fld id="{E283C4F9-C31D-5E4D-ADDD-74881D703AEC}" type="datetimeFigureOut">
-              <a:t>22.09.2018</a:t>
+              <a:t>26/02/2020</a:t>
             </a:fld>
             <a:endParaRPr lang="en-US"/>
           </a:p>
@@ -8129,7 +8129,7 @@
           </a:lstStyle>
           <a:p>
             <a:fld id="{E283C4F9-C31D-5E4D-ADDD-74881D703AEC}" type="datetimeFigureOut">
-              <a:t>22.09.2018</a:t>
+              <a:t>26/02/2020</a:t>
             </a:fld>
             <a:endParaRPr lang="en-US"/>
           </a:p>
@@ -9606,7 +9606,7 @@
           <a:graphicData uri="http://schemas.openxmlformats.org/presentationml/2006/ole">
             <mc:AlternateContent xmlns:mc="http://schemas.openxmlformats.org/markup-compatibility/2006">
               <mc:Choice xmlns:v="urn:schemas-microsoft-com:vml" Requires="v">
-                <p:oleObj spid="_x0000_s2084" name="Photo Editor Photo" r:id="rId3" imgW="8257143" imgH="4133333" progId="">
+                <p:oleObj spid="_x0000_s2085" name="Photo Editor Photo" r:id="rId3" imgW="8257143" imgH="4133333" progId="">
                   <p:embed/>
                 </p:oleObj>
               </mc:Choice>
@@ -9649,14 +9649,14 @@
                       <a:effectLst/>
                       <a:extLst>
                         <a:ext uri="{909E8E84-426E-40dd-AFC4-6F175D3DCCD1}">
-                          <a14:hiddenFill xmlns:a14="http://schemas.microsoft.com/office/drawing/2010/main" xmlns="">
+                          <a14:hiddenFill xmlns="" xmlns:a14="http://schemas.microsoft.com/office/drawing/2010/main">
                             <a:solidFill>
                               <a:schemeClr val="accent1"/>
                             </a:solidFill>
                           </a14:hiddenFill>
                         </a:ext>
                         <a:ext uri="{91240B29-F687-4f45-9708-019B960494DF}">
-                          <a14:hiddenLine xmlns:a14="http://schemas.microsoft.com/office/drawing/2010/main" xmlns="" w="9525">
+                          <a14:hiddenLine xmlns="" xmlns:a14="http://schemas.microsoft.com/office/drawing/2010/main" w="9525">
                             <a:solidFill>
                               <a:schemeClr val="tx1"/>
                             </a:solidFill>
@@ -9666,7 +9666,7 @@
                           </a14:hiddenLine>
                         </a:ext>
                         <a:ext uri="{AF507438-7753-43e0-B8FC-AC1667EBCBE1}">
-                          <a14:hiddenEffects xmlns:a14="http://schemas.microsoft.com/office/drawing/2010/main" xmlns="">
+                          <a14:hiddenEffects xmlns="" xmlns:a14="http://schemas.microsoft.com/office/drawing/2010/main">
                             <a:effectLst>
                               <a:outerShdw blurRad="63500" dist="38099" dir="2700000" algn="ctr" rotWithShape="0">
                                 <a:schemeClr val="bg2">
@@ -9729,7 +9729,7 @@
           <a:graphicData uri="http://schemas.openxmlformats.org/presentationml/2006/ole">
             <mc:AlternateContent xmlns:mc="http://schemas.openxmlformats.org/markup-compatibility/2006">
               <mc:Choice xmlns:v="urn:schemas-microsoft-com:vml" Requires="v">
-                <p:oleObj spid="_x0000_s3132" name="Photo Editor Photo" r:id="rId3" imgW="8907118" imgH="3209524" progId="">
+                <p:oleObj spid="_x0000_s3134" name="Photo Editor Photo" r:id="rId3" imgW="8907118" imgH="3209524" progId="">
                   <p:embed/>
                 </p:oleObj>
               </mc:Choice>
@@ -9772,14 +9772,14 @@
                       <a:effectLst/>
                       <a:extLst>
                         <a:ext uri="{909E8E84-426E-40dd-AFC4-6F175D3DCCD1}">
-                          <a14:hiddenFill xmlns:a14="http://schemas.microsoft.com/office/drawing/2010/main" xmlns="">
+                          <a14:hiddenFill xmlns="" xmlns:a14="http://schemas.microsoft.com/office/drawing/2010/main">
                             <a:solidFill>
                               <a:schemeClr val="accent1"/>
                             </a:solidFill>
                           </a14:hiddenFill>
                         </a:ext>
                         <a:ext uri="{91240B29-F687-4f45-9708-019B960494DF}">
-                          <a14:hiddenLine xmlns:a14="http://schemas.microsoft.com/office/drawing/2010/main" xmlns="" w="9525">
+                          <a14:hiddenLine xmlns="" xmlns:a14="http://schemas.microsoft.com/office/drawing/2010/main" w="9525">
                             <a:solidFill>
                               <a:schemeClr val="tx1"/>
                             </a:solidFill>
@@ -9789,7 +9789,7 @@
                           </a14:hiddenLine>
                         </a:ext>
                         <a:ext uri="{AF507438-7753-43e0-B8FC-AC1667EBCBE1}">
-                          <a14:hiddenEffects xmlns:a14="http://schemas.microsoft.com/office/drawing/2010/main" xmlns="">
+                          <a14:hiddenEffects xmlns="" xmlns:a14="http://schemas.microsoft.com/office/drawing/2010/main">
                             <a:effectLst>
                               <a:outerShdw blurRad="63500" dist="38099" dir="2700000" algn="ctr" rotWithShape="0">
                                 <a:schemeClr val="bg2">
@@ -9824,7 +9824,7 @@
           <a:graphicData uri="http://schemas.openxmlformats.org/presentationml/2006/ole">
             <mc:AlternateContent xmlns:mc="http://schemas.openxmlformats.org/markup-compatibility/2006">
               <mc:Choice xmlns:v="urn:schemas-microsoft-com:vml" Requires="v">
-                <p:oleObj spid="_x0000_s3133" name="Photo Editor Photo" r:id="rId5" imgW="6885714" imgH="4723810" progId="">
+                <p:oleObj spid="_x0000_s3135" name="Photo Editor Photo" r:id="rId5" imgW="6885714" imgH="4723810" progId="">
                   <p:embed/>
                 </p:oleObj>
               </mc:Choice>
@@ -9867,14 +9867,14 @@
                       <a:effectLst/>
                       <a:extLst>
                         <a:ext uri="{909E8E84-426E-40dd-AFC4-6F175D3DCCD1}">
-                          <a14:hiddenFill xmlns:a14="http://schemas.microsoft.com/office/drawing/2010/main" xmlns="">
+                          <a14:hiddenFill xmlns="" xmlns:a14="http://schemas.microsoft.com/office/drawing/2010/main">
                             <a:solidFill>
                               <a:schemeClr val="accent1"/>
                             </a:solidFill>
                           </a14:hiddenFill>
                         </a:ext>
                         <a:ext uri="{91240B29-F687-4f45-9708-019B960494DF}">
-                          <a14:hiddenLine xmlns:a14="http://schemas.microsoft.com/office/drawing/2010/main" xmlns="" w="9525">
+                          <a14:hiddenLine xmlns="" xmlns:a14="http://schemas.microsoft.com/office/drawing/2010/main" w="9525">
                             <a:solidFill>
                               <a:schemeClr val="tx1"/>
                             </a:solidFill>
@@ -9884,7 +9884,7 @@
                           </a14:hiddenLine>
                         </a:ext>
                         <a:ext uri="{AF507438-7753-43e0-B8FC-AC1667EBCBE1}">
-                          <a14:hiddenEffects xmlns:a14="http://schemas.microsoft.com/office/drawing/2010/main" xmlns="">
+                          <a14:hiddenEffects xmlns="" xmlns:a14="http://schemas.microsoft.com/office/drawing/2010/main">
                             <a:effectLst>
                               <a:outerShdw blurRad="63500" dist="38099" dir="2700000" algn="ctr" rotWithShape="0">
                                 <a:schemeClr val="bg2">
@@ -14602,7 +14602,7 @@
           <a:graphicData uri="http://schemas.openxmlformats.org/presentationml/2006/ole">
             <mc:AlternateContent xmlns:mc="http://schemas.openxmlformats.org/markup-compatibility/2006">
               <mc:Choice xmlns:v="urn:schemas-microsoft-com:vml" Requires="v">
-                <p:oleObj spid="_x0000_s4132" name="Photo Editor Photo" r:id="rId3" imgW="9345329" imgH="1914286" progId="">
+                <p:oleObj spid="_x0000_s4133" name="Photo Editor Photo" r:id="rId3" imgW="9345329" imgH="1914286" progId="">
                   <p:embed/>
                 </p:oleObj>
               </mc:Choice>
@@ -14645,14 +14645,14 @@
                       <a:effectLst/>
                       <a:extLst>
                         <a:ext uri="{909E8E84-426E-40dd-AFC4-6F175D3DCCD1}">
-                          <a14:hiddenFill xmlns:a14="http://schemas.microsoft.com/office/drawing/2010/main" xmlns="">
+                          <a14:hiddenFill xmlns="" xmlns:a14="http://schemas.microsoft.com/office/drawing/2010/main">
                             <a:solidFill>
                               <a:schemeClr val="accent1"/>
                             </a:solidFill>
                           </a14:hiddenFill>
                         </a:ext>
                         <a:ext uri="{91240B29-F687-4f45-9708-019B960494DF}">
-                          <a14:hiddenLine xmlns:a14="http://schemas.microsoft.com/office/drawing/2010/main" xmlns="" w="9525">
+                          <a14:hiddenLine xmlns="" xmlns:a14="http://schemas.microsoft.com/office/drawing/2010/main" w="9525">
                             <a:solidFill>
                               <a:schemeClr val="tx1"/>
                             </a:solidFill>
@@ -14662,7 +14662,7 @@
                           </a14:hiddenLine>
                         </a:ext>
                         <a:ext uri="{AF507438-7753-43e0-B8FC-AC1667EBCBE1}">
-                          <a14:hiddenEffects xmlns:a14="http://schemas.microsoft.com/office/drawing/2010/main" xmlns="">
+                          <a14:hiddenEffects xmlns="" xmlns:a14="http://schemas.microsoft.com/office/drawing/2010/main">
                             <a:effectLst>
                               <a:outerShdw blurRad="63500" dist="38099" dir="2700000" algn="ctr" rotWithShape="0">
                                 <a:schemeClr val="bg2">
@@ -22910,7 +22910,7 @@
           <a:graphicData uri="http://schemas.openxmlformats.org/presentationml/2006/ole">
             <mc:AlternateContent xmlns:mc="http://schemas.openxmlformats.org/markup-compatibility/2006">
               <mc:Choice xmlns:v="urn:schemas-microsoft-com:vml" Requires="v">
-                <p:oleObj spid="_x0000_s45092" name="Photo Editor Photo" r:id="rId3" imgW="8019048" imgH="3847619" progId="">
+                <p:oleObj spid="_x0000_s45093" name="Photo Editor Photo" r:id="rId3" imgW="8019048" imgH="3847619" progId="">
                   <p:embed/>
                 </p:oleObj>
               </mc:Choice>
@@ -22953,14 +22953,14 @@
                       <a:effectLst/>
                       <a:extLst>
                         <a:ext uri="{909E8E84-426E-40dd-AFC4-6F175D3DCCD1}">
-                          <a14:hiddenFill xmlns:a14="http://schemas.microsoft.com/office/drawing/2010/main" xmlns="">
+                          <a14:hiddenFill xmlns="" xmlns:a14="http://schemas.microsoft.com/office/drawing/2010/main">
                             <a:solidFill>
                               <a:schemeClr val="accent1"/>
                             </a:solidFill>
                           </a14:hiddenFill>
                         </a:ext>
                         <a:ext uri="{91240B29-F687-4f45-9708-019B960494DF}">
-                          <a14:hiddenLine xmlns:a14="http://schemas.microsoft.com/office/drawing/2010/main" xmlns="" w="9525">
+                          <a14:hiddenLine xmlns="" xmlns:a14="http://schemas.microsoft.com/office/drawing/2010/main" w="9525">
                             <a:solidFill>
                               <a:schemeClr val="tx1"/>
                             </a:solidFill>
@@ -22970,7 +22970,7 @@
                           </a14:hiddenLine>
                         </a:ext>
                         <a:ext uri="{AF507438-7753-43e0-B8FC-AC1667EBCBE1}">
-                          <a14:hiddenEffects xmlns:a14="http://schemas.microsoft.com/office/drawing/2010/main" xmlns="">
+                          <a14:hiddenEffects xmlns="" xmlns:a14="http://schemas.microsoft.com/office/drawing/2010/main">
                             <a:effectLst>
                               <a:outerShdw blurRad="63500" dist="38099" dir="2700000" algn="ctr" rotWithShape="0">
                                 <a:schemeClr val="bg2">
@@ -29645,7 +29645,7 @@
           <a:graphicData uri="http://schemas.openxmlformats.org/presentationml/2006/ole">
             <mc:AlternateContent xmlns:mc="http://schemas.openxmlformats.org/markup-compatibility/2006">
               <mc:Choice xmlns:v="urn:schemas-microsoft-com:vml" Requires="v">
-                <p:oleObj spid="_x0000_s1060" name="Equation" r:id="rId3" imgW="2336760" imgH="457200" progId="Equation.3">
+                <p:oleObj spid="_x0000_s1061" name="Equation" r:id="rId3" imgW="2336760" imgH="457200" progId="Equation.3">
                   <p:embed/>
                 </p:oleObj>
               </mc:Choice>
@@ -29684,7 +29684,7 @@
                       <a:noFill/>
                       <a:extLst>
                         <a:ext uri="{909E8E84-426E-40dd-AFC4-6F175D3DCCD1}">
-                          <a14:hiddenFill xmlns:a14="http://schemas.microsoft.com/office/drawing/2010/main" xmlns="">
+                          <a14:hiddenFill xmlns="" xmlns:a14="http://schemas.microsoft.com/office/drawing/2010/main">
                             <a:solidFill>
                               <a:srgbClr val="FFFFFF"/>
                             </a:solidFill>

--- a/02_Modelul_relational/02_Modelul_relational.pptx
+++ b/02_Modelul_relational/02_Modelul_relational.pptx
@@ -249,6 +249,88 @@
 </p:presentation>
 </file>
 
+<file path=ppt/revisionInfo.xml><?xml version="1.0" encoding="utf-8"?>
+<p1510:revInfo xmlns:a="http://schemas.openxmlformats.org/drawingml/2006/main" xmlns:r="http://schemas.openxmlformats.org/officeDocument/2006/relationships" xmlns:p1510="http://schemas.microsoft.com/office/powerpoint/2015/10/main">
+  <p1510:revLst>
+    <p1510:client id="{9C60B518-1319-6746-AD48-8BF71D607794}" v="1" dt="2021-02-15T06:55:45.273"/>
+  </p1510:revLst>
+</p1510:revInfo>
+</file>
+
+<file path=ppt/changesInfos/changesInfo1.xml><?xml version="1.0" encoding="utf-8"?>
+<pc:chgInfo xmlns:a="http://schemas.openxmlformats.org/drawingml/2006/main" xmlns:r="http://schemas.openxmlformats.org/officeDocument/2006/relationships" xmlns:ac="http://schemas.microsoft.com/office/drawing/2013/main/command" xmlns:pc="http://schemas.microsoft.com/office/powerpoint/2013/main/command">
+  <pc:docChgLst>
+    <pc:chgData name="Marin Fotache" userId="9233cd031198ef03" providerId="LiveId" clId="{9C60B518-1319-6746-AD48-8BF71D607794}"/>
+    <pc:docChg chg="custSel modSld">
+      <pc:chgData name="Marin Fotache" userId="9233cd031198ef03" providerId="LiveId" clId="{9C60B518-1319-6746-AD48-8BF71D607794}" dt="2021-02-15T06:56:07.253" v="69" actId="14100"/>
+      <pc:docMkLst>
+        <pc:docMk/>
+      </pc:docMkLst>
+      <pc:sldChg chg="modSp mod">
+        <pc:chgData name="Marin Fotache" userId="9233cd031198ef03" providerId="LiveId" clId="{9C60B518-1319-6746-AD48-8BF71D607794}" dt="2021-02-15T06:55:45.273" v="57"/>
+        <pc:sldMkLst>
+          <pc:docMk/>
+          <pc:sldMk cId="0" sldId="273"/>
+        </pc:sldMkLst>
+        <pc:spChg chg="mod">
+          <ac:chgData name="Marin Fotache" userId="9233cd031198ef03" providerId="LiveId" clId="{9C60B518-1319-6746-AD48-8BF71D607794}" dt="2021-02-15T06:55:45.273" v="57"/>
+          <ac:spMkLst>
+            <pc:docMk/>
+            <pc:sldMk cId="0" sldId="273"/>
+            <ac:spMk id="52227" creationId="{00000000-0000-0000-0000-000000000000}"/>
+          </ac:spMkLst>
+        </pc:spChg>
+      </pc:sldChg>
+      <pc:sldChg chg="modSp mod">
+        <pc:chgData name="Marin Fotache" userId="9233cd031198ef03" providerId="LiveId" clId="{9C60B518-1319-6746-AD48-8BF71D607794}" dt="2021-02-15T06:56:07.253" v="69" actId="14100"/>
+        <pc:sldMkLst>
+          <pc:docMk/>
+          <pc:sldMk cId="0" sldId="279"/>
+        </pc:sldMkLst>
+        <pc:spChg chg="mod">
+          <ac:chgData name="Marin Fotache" userId="9233cd031198ef03" providerId="LiveId" clId="{9C60B518-1319-6746-AD48-8BF71D607794}" dt="2021-02-15T06:56:07.253" v="69" actId="14100"/>
+          <ac:spMkLst>
+            <pc:docMk/>
+            <pc:sldMk cId="0" sldId="279"/>
+            <ac:spMk id="3" creationId="{00000000-0000-0000-0000-000000000000}"/>
+          </ac:spMkLst>
+        </pc:spChg>
+      </pc:sldChg>
+      <pc:sldChg chg="modSp mod">
+        <pc:chgData name="Marin Fotache" userId="9233cd031198ef03" providerId="LiveId" clId="{9C60B518-1319-6746-AD48-8BF71D607794}" dt="2021-02-15T06:51:57.220" v="2" actId="20577"/>
+        <pc:sldMkLst>
+          <pc:docMk/>
+          <pc:sldMk cId="0" sldId="290"/>
+        </pc:sldMkLst>
+        <pc:spChg chg="mod">
+          <ac:chgData name="Marin Fotache" userId="9233cd031198ef03" providerId="LiveId" clId="{9C60B518-1319-6746-AD48-8BF71D607794}" dt="2021-02-15T06:51:57.220" v="2" actId="20577"/>
+          <ac:spMkLst>
+            <pc:docMk/>
+            <pc:sldMk cId="0" sldId="290"/>
+            <ac:spMk id="25603" creationId="{00000000-0000-0000-0000-000000000000}"/>
+          </ac:spMkLst>
+        </pc:spChg>
+      </pc:sldChg>
+      <pc:sldChg chg="modSp mod">
+        <pc:chgData name="Marin Fotache" userId="9233cd031198ef03" providerId="LiveId" clId="{9C60B518-1319-6746-AD48-8BF71D607794}" dt="2021-02-15T06:52:27.199" v="29" actId="313"/>
+        <pc:sldMkLst>
+          <pc:docMk/>
+          <pc:sldMk cId="0" sldId="291"/>
+        </pc:sldMkLst>
+        <pc:spChg chg="mod">
+          <ac:chgData name="Marin Fotache" userId="9233cd031198ef03" providerId="LiveId" clId="{9C60B518-1319-6746-AD48-8BF71D607794}" dt="2021-02-15T06:52:27.199" v="29" actId="313"/>
+          <ac:spMkLst>
+            <pc:docMk/>
+            <pc:sldMk cId="0" sldId="291"/>
+            <ac:spMk id="26627" creationId="{00000000-0000-0000-0000-000000000000}"/>
+          </ac:spMkLst>
+        </pc:spChg>
+      </pc:sldChg>
+    </pc:docChg>
+  </pc:docChgLst>
+</pc:chgInfo>
+</file>
+
 <file path=ppt/notesMasters/notesMaster1.xml><?xml version="1.0" encoding="utf-8"?>
 <p:notesMaster xmlns:a="http://schemas.openxmlformats.org/drawingml/2006/main" xmlns:r="http://schemas.openxmlformats.org/officeDocument/2006/relationships" xmlns:p="http://schemas.openxmlformats.org/presentationml/2006/main">
   <p:cSld>
@@ -332,7 +414,7 @@
             <a:fld id="{FCC5CB2E-E12D-4328-B570-FBC4F29E3D11}" type="datetimeFigureOut">
               <a:rPr lang="en-US" smtClean="0"/>
               <a:pPr/>
-              <a:t>2/26/20</a:t>
+              <a:t>2/15/21</a:t>
             </a:fld>
             <a:endParaRPr lang="en-US"/>
           </a:p>
@@ -2158,7 +2240,7 @@
           <a:lstStyle/>
           <a:p>
             <a:fld id="{E283C4F9-C31D-5E4D-ADDD-74881D703AEC}" type="datetimeFigureOut">
-              <a:t>26/02/2020</a:t>
+              <a:t>15/02/2021</a:t>
             </a:fld>
             <a:endParaRPr lang="en-US"/>
           </a:p>
@@ -2324,7 +2406,7 @@
           <a:lstStyle/>
           <a:p>
             <a:fld id="{E283C4F9-C31D-5E4D-ADDD-74881D703AEC}" type="datetimeFigureOut">
-              <a:t>26/02/2020</a:t>
+              <a:t>15/02/2021</a:t>
             </a:fld>
             <a:endParaRPr lang="en-US"/>
           </a:p>
@@ -2567,7 +2649,7 @@
           <a:lstStyle/>
           <a:p>
             <a:fld id="{E283C4F9-C31D-5E4D-ADDD-74881D703AEC}" type="datetimeFigureOut">
-              <a:t>26/02/2020</a:t>
+              <a:t>15/02/2021</a:t>
             </a:fld>
             <a:endParaRPr lang="en-US"/>
           </a:p>
@@ -2850,7 +2932,7 @@
           <a:lstStyle/>
           <a:p>
             <a:fld id="{E283C4F9-C31D-5E4D-ADDD-74881D703AEC}" type="datetimeFigureOut">
-              <a:t>26/02/2020</a:t>
+              <a:t>15/02/2021</a:t>
             </a:fld>
             <a:endParaRPr lang="en-US"/>
           </a:p>
@@ -3267,7 +3349,7 @@
           <a:lstStyle/>
           <a:p>
             <a:fld id="{E283C4F9-C31D-5E4D-ADDD-74881D703AEC}" type="datetimeFigureOut">
-              <a:t>26/02/2020</a:t>
+              <a:t>15/02/2021</a:t>
             </a:fld>
             <a:endParaRPr lang="en-US"/>
           </a:p>
@@ -3382,7 +3464,7 @@
           <a:lstStyle/>
           <a:p>
             <a:fld id="{E283C4F9-C31D-5E4D-ADDD-74881D703AEC}" type="datetimeFigureOut">
-              <a:t>26/02/2020</a:t>
+              <a:t>15/02/2021</a:t>
             </a:fld>
             <a:endParaRPr lang="en-US"/>
           </a:p>
@@ -3661,7 +3743,7 @@
           <a:lstStyle/>
           <a:p>
             <a:fld id="{E283C4F9-C31D-5E4D-ADDD-74881D703AEC}" type="datetimeFigureOut">
-              <a:t>26/02/2020</a:t>
+              <a:t>15/02/2021</a:t>
             </a:fld>
             <a:endParaRPr lang="en-US"/>
           </a:p>
@@ -3934,7 +4016,7 @@
           <a:lstStyle/>
           <a:p>
             <a:fld id="{E283C4F9-C31D-5E4D-ADDD-74881D703AEC}" type="datetimeFigureOut">
-              <a:t>26/02/2020</a:t>
+              <a:t>15/02/2021</a:t>
             </a:fld>
             <a:endParaRPr lang="en-US"/>
           </a:p>
@@ -4184,7 +4266,7 @@
           <a:lstStyle/>
           <a:p>
             <a:fld id="{E283C4F9-C31D-5E4D-ADDD-74881D703AEC}" type="datetimeFigureOut">
-              <a:t>26/02/2020</a:t>
+              <a:t>15/02/2021</a:t>
             </a:fld>
             <a:endParaRPr lang="en-US"/>
           </a:p>
@@ -4350,7 +4432,7 @@
           <a:lstStyle/>
           <a:p>
             <a:fld id="{E283C4F9-C31D-5E4D-ADDD-74881D703AEC}" type="datetimeFigureOut">
-              <a:t>26/02/2020</a:t>
+              <a:t>15/02/2021</a:t>
             </a:fld>
             <a:endParaRPr lang="en-US"/>
           </a:p>
@@ -4526,7 +4608,7 @@
           <a:lstStyle/>
           <a:p>
             <a:fld id="{E283C4F9-C31D-5E4D-ADDD-74881D703AEC}" type="datetimeFigureOut">
-              <a:t>26/02/2020</a:t>
+              <a:t>15/02/2021</a:t>
             </a:fld>
             <a:endParaRPr lang="en-US"/>
           </a:p>
@@ -8129,7 +8211,7 @@
           </a:lstStyle>
           <a:p>
             <a:fld id="{E283C4F9-C31D-5E4D-ADDD-74881D703AEC}" type="datetimeFigureOut">
-              <a:t>26/02/2020</a:t>
+              <a:t>15/02/2021</a:t>
             </a:fld>
             <a:endParaRPr lang="en-US"/>
           </a:p>
@@ -9606,7 +9688,7 @@
           <a:graphicData uri="http://schemas.openxmlformats.org/presentationml/2006/ole">
             <mc:AlternateContent xmlns:mc="http://schemas.openxmlformats.org/markup-compatibility/2006">
               <mc:Choice xmlns:v="urn:schemas-microsoft-com:vml" Requires="v">
-                <p:oleObj spid="_x0000_s2085" name="Photo Editor Photo" r:id="rId3" imgW="8257143" imgH="4133333" progId="">
+                <p:oleObj spid="_x0000_s2049" name="Photo Editor Photo" r:id="rId3" imgW="8257143" imgH="4133333" progId="">
                   <p:embed/>
                 </p:oleObj>
               </mc:Choice>
@@ -9615,7 +9697,7 @@
                   <p:embed/>
                   <p:pic>
                     <p:nvPicPr>
-                      <p:cNvPr id="0" name="Object 1024"/>
+                      <p:cNvPr id="2050" name="Object 1024"/>
                       <p:cNvPicPr>
                         <a:picLocks noChangeAspect="1" noChangeArrowheads="1"/>
                       </p:cNvPicPr>
@@ -9649,14 +9731,14 @@
                       <a:effectLst/>
                       <a:extLst>
                         <a:ext uri="{909E8E84-426E-40dd-AFC4-6F175D3DCCD1}">
-                          <a14:hiddenFill xmlns="" xmlns:a14="http://schemas.microsoft.com/office/drawing/2010/main">
+                          <a14:hiddenFill xmlns:a14="http://schemas.microsoft.com/office/drawing/2010/main" xmlns="">
                             <a:solidFill>
                               <a:schemeClr val="accent1"/>
                             </a:solidFill>
                           </a14:hiddenFill>
                         </a:ext>
                         <a:ext uri="{91240B29-F687-4f45-9708-019B960494DF}">
-                          <a14:hiddenLine xmlns="" xmlns:a14="http://schemas.microsoft.com/office/drawing/2010/main" w="9525">
+                          <a14:hiddenLine xmlns:a14="http://schemas.microsoft.com/office/drawing/2010/main" xmlns="" w="9525">
                             <a:solidFill>
                               <a:schemeClr val="tx1"/>
                             </a:solidFill>
@@ -9666,7 +9748,7 @@
                           </a14:hiddenLine>
                         </a:ext>
                         <a:ext uri="{AF507438-7753-43e0-B8FC-AC1667EBCBE1}">
-                          <a14:hiddenEffects xmlns="" xmlns:a14="http://schemas.microsoft.com/office/drawing/2010/main">
+                          <a14:hiddenEffects xmlns:a14="http://schemas.microsoft.com/office/drawing/2010/main" xmlns="">
                             <a:effectLst>
                               <a:outerShdw blurRad="63500" dist="38099" dir="2700000" algn="ctr" rotWithShape="0">
                                 <a:schemeClr val="bg2">
@@ -9729,7 +9811,7 @@
           <a:graphicData uri="http://schemas.openxmlformats.org/presentationml/2006/ole">
             <mc:AlternateContent xmlns:mc="http://schemas.openxmlformats.org/markup-compatibility/2006">
               <mc:Choice xmlns:v="urn:schemas-microsoft-com:vml" Requires="v">
-                <p:oleObj spid="_x0000_s3134" name="Photo Editor Photo" r:id="rId3" imgW="8907118" imgH="3209524" progId="">
+                <p:oleObj spid="_x0000_s3073" name="Photo Editor Photo" r:id="rId3" imgW="8907118" imgH="3209524" progId="">
                   <p:embed/>
                 </p:oleObj>
               </mc:Choice>
@@ -9738,7 +9820,7 @@
                   <p:embed/>
                   <p:pic>
                     <p:nvPicPr>
-                      <p:cNvPr id="0" name="Object 1025"/>
+                      <p:cNvPr id="3075" name="Object 1025"/>
                       <p:cNvPicPr>
                         <a:picLocks noChangeAspect="1" noChangeArrowheads="1"/>
                       </p:cNvPicPr>
@@ -9772,14 +9854,14 @@
                       <a:effectLst/>
                       <a:extLst>
                         <a:ext uri="{909E8E84-426E-40dd-AFC4-6F175D3DCCD1}">
-                          <a14:hiddenFill xmlns="" xmlns:a14="http://schemas.microsoft.com/office/drawing/2010/main">
+                          <a14:hiddenFill xmlns:a14="http://schemas.microsoft.com/office/drawing/2010/main" xmlns="">
                             <a:solidFill>
                               <a:schemeClr val="accent1"/>
                             </a:solidFill>
                           </a14:hiddenFill>
                         </a:ext>
                         <a:ext uri="{91240B29-F687-4f45-9708-019B960494DF}">
-                          <a14:hiddenLine xmlns="" xmlns:a14="http://schemas.microsoft.com/office/drawing/2010/main" w="9525">
+                          <a14:hiddenLine xmlns:a14="http://schemas.microsoft.com/office/drawing/2010/main" xmlns="" w="9525">
                             <a:solidFill>
                               <a:schemeClr val="tx1"/>
                             </a:solidFill>
@@ -9789,7 +9871,7 @@
                           </a14:hiddenLine>
                         </a:ext>
                         <a:ext uri="{AF507438-7753-43e0-B8FC-AC1667EBCBE1}">
-                          <a14:hiddenEffects xmlns="" xmlns:a14="http://schemas.microsoft.com/office/drawing/2010/main">
+                          <a14:hiddenEffects xmlns:a14="http://schemas.microsoft.com/office/drawing/2010/main" xmlns="">
                             <a:effectLst>
                               <a:outerShdw blurRad="63500" dist="38099" dir="2700000" algn="ctr" rotWithShape="0">
                                 <a:schemeClr val="bg2">
@@ -9824,7 +9906,7 @@
           <a:graphicData uri="http://schemas.openxmlformats.org/presentationml/2006/ole">
             <mc:AlternateContent xmlns:mc="http://schemas.openxmlformats.org/markup-compatibility/2006">
               <mc:Choice xmlns:v="urn:schemas-microsoft-com:vml" Requires="v">
-                <p:oleObj spid="_x0000_s3135" name="Photo Editor Photo" r:id="rId5" imgW="6885714" imgH="4723810" progId="">
+                <p:oleObj spid="_x0000_s3074" name="Photo Editor Photo" r:id="rId5" imgW="6885714" imgH="4723810" progId="">
                   <p:embed/>
                 </p:oleObj>
               </mc:Choice>
@@ -9833,7 +9915,7 @@
                   <p:embed/>
                   <p:pic>
                     <p:nvPicPr>
-                      <p:cNvPr id="0" name="Object 1024"/>
+                      <p:cNvPr id="3074" name="Object 1024"/>
                       <p:cNvPicPr>
                         <a:picLocks noChangeAspect="1" noChangeArrowheads="1"/>
                       </p:cNvPicPr>
@@ -9867,14 +9949,14 @@
                       <a:effectLst/>
                       <a:extLst>
                         <a:ext uri="{909E8E84-426E-40dd-AFC4-6F175D3DCCD1}">
-                          <a14:hiddenFill xmlns="" xmlns:a14="http://schemas.microsoft.com/office/drawing/2010/main">
+                          <a14:hiddenFill xmlns:a14="http://schemas.microsoft.com/office/drawing/2010/main" xmlns="">
                             <a:solidFill>
                               <a:schemeClr val="accent1"/>
                             </a:solidFill>
                           </a14:hiddenFill>
                         </a:ext>
                         <a:ext uri="{91240B29-F687-4f45-9708-019B960494DF}">
-                          <a14:hiddenLine xmlns="" xmlns:a14="http://schemas.microsoft.com/office/drawing/2010/main" w="9525">
+                          <a14:hiddenLine xmlns:a14="http://schemas.microsoft.com/office/drawing/2010/main" xmlns="" w="9525">
                             <a:solidFill>
                               <a:schemeClr val="tx1"/>
                             </a:solidFill>
@@ -9884,7 +9966,7 @@
                           </a14:hiddenLine>
                         </a:ext>
                         <a:ext uri="{AF507438-7753-43e0-B8FC-AC1667EBCBE1}">
-                          <a14:hiddenEffects xmlns="" xmlns:a14="http://schemas.microsoft.com/office/drawing/2010/main">
+                          <a14:hiddenEffects xmlns:a14="http://schemas.microsoft.com/office/drawing/2010/main" xmlns="">
                             <a:effectLst>
                               <a:outerShdw blurRad="63500" dist="38099" dir="2700000" algn="ctr" rotWithShape="0">
                                 <a:schemeClr val="bg2">
@@ -11963,10 +12045,7 @@
               <a:rPr lang="ro-RO" dirty="0"/>
               <a:t>...</a:t>
             </a:r>
-            <a:r>
-              <a:rPr lang="en-US" dirty="0"/>
-              <a:t> </a:t>
-            </a:r>
+            <a:endParaRPr lang="en-US" dirty="0"/>
           </a:p>
         </p:txBody>
       </p:sp>
@@ -12119,7 +12198,15 @@
           <a:p>
             <a:r>
               <a:rPr lang="ro-RO" dirty="0"/>
-              <a:t>În BD pentru termenul “încălcare” se foloseşte cuvântul “violare” (modest omagiu adus ştirilor de la ora 17</a:t>
+              <a:t>În BD pentru termenul “încălcare” se foloseşte cuvântul “violare” – engl. ”</a:t>
+            </a:r>
+            <a:r>
+              <a:rPr lang="ro-RO" dirty="0" err="1"/>
+              <a:t>violation</a:t>
+            </a:r>
+            <a:r>
+              <a:rPr lang="ro-RO" dirty="0"/>
+              <a:t>” (modest omagiu adus ştirilor de la ora 17</a:t>
             </a:r>
             <a:r>
               <a:rPr lang="en-US" dirty="0"/>
@@ -14602,7 +14689,7 @@
           <a:graphicData uri="http://schemas.openxmlformats.org/presentationml/2006/ole">
             <mc:AlternateContent xmlns:mc="http://schemas.openxmlformats.org/markup-compatibility/2006">
               <mc:Choice xmlns:v="urn:schemas-microsoft-com:vml" Requires="v">
-                <p:oleObj spid="_x0000_s4133" name="Photo Editor Photo" r:id="rId3" imgW="9345329" imgH="1914286" progId="">
+                <p:oleObj spid="_x0000_s4097" name="Photo Editor Photo" r:id="rId3" imgW="9345329" imgH="1914286" progId="">
                   <p:embed/>
                 </p:oleObj>
               </mc:Choice>
@@ -14611,7 +14698,7 @@
                   <p:embed/>
                   <p:pic>
                     <p:nvPicPr>
-                      <p:cNvPr id="0" name="Object 5"/>
+                      <p:cNvPr id="4098" name="Object 5"/>
                       <p:cNvPicPr>
                         <a:picLocks noChangeAspect="1" noChangeArrowheads="1"/>
                       </p:cNvPicPr>
@@ -14645,14 +14732,14 @@
                       <a:effectLst/>
                       <a:extLst>
                         <a:ext uri="{909E8E84-426E-40dd-AFC4-6F175D3DCCD1}">
-                          <a14:hiddenFill xmlns="" xmlns:a14="http://schemas.microsoft.com/office/drawing/2010/main">
+                          <a14:hiddenFill xmlns:a14="http://schemas.microsoft.com/office/drawing/2010/main" xmlns="">
                             <a:solidFill>
                               <a:schemeClr val="accent1"/>
                             </a:solidFill>
                           </a14:hiddenFill>
                         </a:ext>
                         <a:ext uri="{91240B29-F687-4f45-9708-019B960494DF}">
-                          <a14:hiddenLine xmlns="" xmlns:a14="http://schemas.microsoft.com/office/drawing/2010/main" w="9525">
+                          <a14:hiddenLine xmlns:a14="http://schemas.microsoft.com/office/drawing/2010/main" xmlns="" w="9525">
                             <a:solidFill>
                               <a:schemeClr val="tx1"/>
                             </a:solidFill>
@@ -14662,7 +14749,7 @@
                           </a14:hiddenLine>
                         </a:ext>
                         <a:ext uri="{AF507438-7753-43e0-B8FC-AC1667EBCBE1}">
-                          <a14:hiddenEffects xmlns="" xmlns:a14="http://schemas.microsoft.com/office/drawing/2010/main">
+                          <a14:hiddenEffects xmlns:a14="http://schemas.microsoft.com/office/drawing/2010/main" xmlns="">
                             <a:effectLst>
                               <a:outerShdw blurRad="63500" dist="38099" dir="2700000" algn="ctr" rotWithShape="0">
                                 <a:schemeClr val="bg2">
@@ -22910,7 +22997,7 @@
           <a:graphicData uri="http://schemas.openxmlformats.org/presentationml/2006/ole">
             <mc:AlternateContent xmlns:mc="http://schemas.openxmlformats.org/markup-compatibility/2006">
               <mc:Choice xmlns:v="urn:schemas-microsoft-com:vml" Requires="v">
-                <p:oleObj spid="_x0000_s45093" name="Photo Editor Photo" r:id="rId3" imgW="8019048" imgH="3847619" progId="">
+                <p:oleObj spid="_x0000_s5121" name="Photo Editor Photo" r:id="rId3" imgW="8019048" imgH="3847619" progId="">
                   <p:embed/>
                 </p:oleObj>
               </mc:Choice>
@@ -22919,7 +23006,7 @@
                   <p:embed/>
                   <p:pic>
                     <p:nvPicPr>
-                      <p:cNvPr id="0" name="Picture 2"/>
+                      <p:cNvPr id="45058" name="Object 2"/>
                       <p:cNvPicPr>
                         <a:picLocks noChangeAspect="1" noChangeArrowheads="1"/>
                       </p:cNvPicPr>
@@ -22953,14 +23040,14 @@
                       <a:effectLst/>
                       <a:extLst>
                         <a:ext uri="{909E8E84-426E-40dd-AFC4-6F175D3DCCD1}">
-                          <a14:hiddenFill xmlns="" xmlns:a14="http://schemas.microsoft.com/office/drawing/2010/main">
+                          <a14:hiddenFill xmlns:a14="http://schemas.microsoft.com/office/drawing/2010/main" xmlns="">
                             <a:solidFill>
                               <a:schemeClr val="accent1"/>
                             </a:solidFill>
                           </a14:hiddenFill>
                         </a:ext>
                         <a:ext uri="{91240B29-F687-4f45-9708-019B960494DF}">
-                          <a14:hiddenLine xmlns="" xmlns:a14="http://schemas.microsoft.com/office/drawing/2010/main" w="9525">
+                          <a14:hiddenLine xmlns:a14="http://schemas.microsoft.com/office/drawing/2010/main" xmlns="" w="9525">
                             <a:solidFill>
                               <a:schemeClr val="tx1"/>
                             </a:solidFill>
@@ -22970,7 +23057,7 @@
                           </a14:hiddenLine>
                         </a:ext>
                         <a:ext uri="{AF507438-7753-43e0-B8FC-AC1667EBCBE1}">
-                          <a14:hiddenEffects xmlns="" xmlns:a14="http://schemas.microsoft.com/office/drawing/2010/main">
+                          <a14:hiddenEffects xmlns:a14="http://schemas.microsoft.com/office/drawing/2010/main" xmlns="">
                             <a:effectLst>
                               <a:outerShdw blurRad="63500" dist="38099" dir="2700000" algn="ctr" rotWithShape="0">
                                 <a:schemeClr val="bg2">
@@ -27861,82 +27948,119 @@
           <a:p>
             <a:pPr algn="just" eaLnBrk="1" hangingPunct="1"/>
             <a:r>
-              <a:rPr lang="ro-RO"/>
-              <a:t>Se dă schema aplicației </a:t>
-            </a:r>
-            <a:r>
-              <a:rPr lang="ro-RO" b="1" i="1"/>
-              <a:t>DVD Rental </a:t>
-            </a:r>
-            <a:r>
-              <a:rPr lang="ro-RO"/>
-              <a:t>(vezi portal)</a:t>
+              <a:rPr lang="ro-RO" dirty="0"/>
+              <a:t>Se dă schema </a:t>
+            </a:r>
+            <a:r>
+              <a:rPr lang="ro-RO" b="1" i="1" dirty="0"/>
+              <a:t>DVD </a:t>
+            </a:r>
+            <a:r>
+              <a:rPr lang="ro-RO" b="1" i="1" dirty="0" err="1"/>
+              <a:t>Rental</a:t>
+            </a:r>
+            <a:r>
+              <a:rPr lang="ro-RO" b="1" i="1" dirty="0"/>
+              <a:t> </a:t>
+            </a:r>
+            <a:r>
+              <a:rPr lang="ro-RO" dirty="0"/>
+              <a:t>(vezi </a:t>
+            </a:r>
+            <a:r>
+              <a:rPr lang="ro-RO" dirty="0" err="1"/>
+              <a:t>GitHub</a:t>
+            </a:r>
+            <a:r>
+              <a:rPr lang="ro-RO" dirty="0"/>
+              <a:t>)</a:t>
             </a:r>
           </a:p>
           <a:p>
             <a:pPr lvl="1" algn="just" eaLnBrk="1" hangingPunct="1"/>
             <a:r>
-              <a:rPr lang="ro-RO"/>
+              <a:rPr lang="ro-RO" dirty="0"/>
               <a:t>Precizați ce entitate descrie o înregistrare din fiecare tabelă a bazei de date</a:t>
             </a:r>
           </a:p>
           <a:p>
             <a:pPr lvl="1" algn="just" eaLnBrk="1" hangingPunct="1"/>
             <a:r>
-              <a:rPr lang="ro-RO"/>
+              <a:rPr lang="ro-RO" dirty="0"/>
               <a:t>Discutați cheia primară și cheile alternative ale fiecărei tabele</a:t>
             </a:r>
           </a:p>
           <a:p>
             <a:pPr lvl="1" algn="just" eaLnBrk="1" hangingPunct="1"/>
             <a:r>
-              <a:rPr lang="ro-RO"/>
-              <a:t>Care sunt atributele pentru care ați declara restricția de nenulitate și de ce?</a:t>
+              <a:rPr lang="ro-RO" dirty="0"/>
+              <a:t>Care sunt atributele pentru care ați declara restricția de </a:t>
+            </a:r>
+            <a:r>
+              <a:rPr lang="ro-RO" dirty="0" err="1"/>
+              <a:t>nenulitate</a:t>
+            </a:r>
+            <a:r>
+              <a:rPr lang="ro-RO" dirty="0"/>
+              <a:t> și de ce?</a:t>
             </a:r>
           </a:p>
           <a:p>
             <a:pPr lvl="1" algn="just" eaLnBrk="1" hangingPunct="1"/>
             <a:r>
-              <a:rPr lang="ro-RO"/>
-              <a:t>Discutați fiecare restricție referențială</a:t>
-            </a:r>
+              <a:rPr lang="ro-RO" dirty="0"/>
+              <a:t>Discutați fiecare restricție </a:t>
+            </a:r>
+            <a:r>
+              <a:rPr lang="ro-RO" dirty="0" err="1"/>
+              <a:t>referențială</a:t>
+            </a:r>
+            <a:endParaRPr lang="ro-RO" dirty="0"/>
           </a:p>
           <a:p>
             <a:pPr lvl="1" algn="just" eaLnBrk="1" hangingPunct="1"/>
             <a:r>
-              <a:rPr lang="ro-RO"/>
+              <a:rPr lang="ro-RO" dirty="0"/>
               <a:t>Propuneți între două și cinci reguli de validare pentru fiecare tabelă din BD </a:t>
             </a:r>
           </a:p>
           <a:p>
             <a:pPr lvl="1" algn="just" eaLnBrk="1" hangingPunct="1"/>
             <a:r>
-              <a:rPr lang="ro-RO"/>
+              <a:rPr lang="ro-RO" dirty="0"/>
               <a:t>Propuneți atribute suplimentare și justificați-le.</a:t>
             </a:r>
           </a:p>
           <a:p>
             <a:pPr algn="just" eaLnBrk="1" hangingPunct="1"/>
             <a:r>
-              <a:rPr lang="ro-RO"/>
-              <a:t>Repetați operațiunile pentru BD </a:t>
-            </a:r>
-            <a:r>
-              <a:rPr lang="ro-RO" b="1" i="1"/>
+              <a:rPr lang="ro-RO" dirty="0"/>
+              <a:t>Analog pentru BD </a:t>
+            </a:r>
+            <a:r>
+              <a:rPr lang="ro-RO" b="1" i="1" dirty="0" err="1"/>
               <a:t>Northwind</a:t>
             </a:r>
             <a:r>
-              <a:rPr lang="ro-RO"/>
-              <a:t> (vezi portal)</a:t>
+              <a:rPr lang="ro-RO" dirty="0"/>
+              <a:t> (vezi </a:t>
+            </a:r>
+            <a:r>
+              <a:rPr lang="ro-RO" dirty="0" err="1"/>
+              <a:t>GitHub</a:t>
+            </a:r>
+            <a:r>
+              <a:rPr lang="ro-RO" dirty="0"/>
+              <a:t>)</a:t>
             </a:r>
           </a:p>
           <a:p>
             <a:pPr lvl="1" algn="just" eaLnBrk="1" hangingPunct="1"/>
-            <a:endParaRPr lang="en-US"/>
+            <a:endParaRPr lang="en-US" dirty="0"/>
           </a:p>
           <a:p>
             <a:pPr lvl="1" algn="just" eaLnBrk="1" hangingPunct="1"/>
-            <a:endParaRPr lang="en-US"/>
+            <a:endParaRPr lang="en-US" dirty="0"/>
           </a:p>
         </p:txBody>
       </p:sp>
@@ -28752,8 +28876,8 @@
         </p:nvSpPr>
         <p:spPr>
           <a:xfrm>
-            <a:off x="1354028" y="274638"/>
-            <a:ext cx="7499350" cy="1143000"/>
+            <a:off x="228600" y="274638"/>
+            <a:ext cx="8624778" cy="1143000"/>
           </a:xfrm>
         </p:spPr>
         <p:txBody>
@@ -28764,7 +28888,7 @@
           <a:p>
             <a:pPr algn="ctr"/>
             <a:r>
-              <a:rPr lang="ro-RO">
+              <a:rPr lang="ro-RO" dirty="0">
                 <a:latin typeface="Arial Unicode MS"/>
               </a:rPr>
               <a:t>(Alte) Câteva </a:t>
@@ -28779,7 +28903,7 @@
               <a:rPr lang="ro-RO" dirty="0">
                 <a:latin typeface="Arial Unicode MS"/>
               </a:rPr>
-              <a:t> video</a:t>
+              <a:t> video (opțional)</a:t>
             </a:r>
             <a:endParaRPr lang="en-US" dirty="0">
               <a:latin typeface="Arial Unicode MS"/>
@@ -29645,7 +29769,7 @@
           <a:graphicData uri="http://schemas.openxmlformats.org/presentationml/2006/ole">
             <mc:AlternateContent xmlns:mc="http://schemas.openxmlformats.org/markup-compatibility/2006">
               <mc:Choice xmlns:v="urn:schemas-microsoft-com:vml" Requires="v">
-                <p:oleObj spid="_x0000_s1061" name="Equation" r:id="rId3" imgW="2336760" imgH="457200" progId="Equation.3">
+                <p:oleObj spid="_x0000_s1025" name="Equation" r:id="rId3" imgW="2336760" imgH="457200" progId="Equation.3">
                   <p:embed/>
                 </p:oleObj>
               </mc:Choice>
@@ -29654,7 +29778,7 @@
                   <p:embed/>
                   <p:pic>
                     <p:nvPicPr>
-                      <p:cNvPr id="0" name="Object 1"/>
+                      <p:cNvPr id="1026" name="Object 1"/>
                       <p:cNvPicPr>
                         <a:picLocks noChangeAspect="1" noChangeArrowheads="1"/>
                       </p:cNvPicPr>
@@ -29684,7 +29808,7 @@
                       <a:noFill/>
                       <a:extLst>
                         <a:ext uri="{909E8E84-426E-40dd-AFC4-6F175D3DCCD1}">
-                          <a14:hiddenFill xmlns="" xmlns:a14="http://schemas.microsoft.com/office/drawing/2010/main">
+                          <a14:hiddenFill xmlns:a14="http://schemas.microsoft.com/office/drawing/2010/main" xmlns="">
                             <a:solidFill>
                               <a:srgbClr val="FFFFFF"/>
                             </a:solidFill>

--- a/02_Modelul_relational/02_Modelul_relational.pptx
+++ b/02_Modelul_relational/02_Modelul_relational.pptx
@@ -252,7 +252,7 @@
 <file path=ppt/revisionInfo.xml><?xml version="1.0" encoding="utf-8"?>
 <p1510:revInfo xmlns:a="http://schemas.openxmlformats.org/drawingml/2006/main" xmlns:r="http://schemas.openxmlformats.org/officeDocument/2006/relationships" xmlns:p1510="http://schemas.microsoft.com/office/powerpoint/2015/10/main">
   <p1510:revLst>
-    <p1510:client id="{9C60B518-1319-6746-AD48-8BF71D607794}" v="1" dt="2021-02-15T06:55:45.273"/>
+    <p1510:client id="{89A55169-219E-2643-9E2F-6A1B7B17708F}" v="1" dt="2022-02-20T07:00:47.472"/>
   </p1510:revLst>
 </p1510:revInfo>
 </file>
@@ -328,6 +328,105 @@
       </pc:sldChg>
     </pc:docChg>
   </pc:docChgLst>
+  <pc:docChgLst>
+    <pc:chgData name="Marin Fotache" userId="9233cd031198ef03" providerId="LiveId" clId="{89A55169-219E-2643-9E2F-6A1B7B17708F}"/>
+    <pc:docChg chg="custSel modSld">
+      <pc:chgData name="Marin Fotache" userId="9233cd031198ef03" providerId="LiveId" clId="{89A55169-219E-2643-9E2F-6A1B7B17708F}" dt="2022-02-20T07:02:36.148" v="122" actId="20577"/>
+      <pc:docMkLst>
+        <pc:docMk/>
+      </pc:docMkLst>
+      <pc:sldChg chg="modSp mod">
+        <pc:chgData name="Marin Fotache" userId="9233cd031198ef03" providerId="LiveId" clId="{89A55169-219E-2643-9E2F-6A1B7B17708F}" dt="2022-02-20T07:01:40.261" v="61" actId="20577"/>
+        <pc:sldMkLst>
+          <pc:docMk/>
+          <pc:sldMk cId="0" sldId="273"/>
+        </pc:sldMkLst>
+        <pc:spChg chg="mod">
+          <ac:chgData name="Marin Fotache" userId="9233cd031198ef03" providerId="LiveId" clId="{89A55169-219E-2643-9E2F-6A1B7B17708F}" dt="2022-02-20T07:01:40.261" v="61" actId="20577"/>
+          <ac:spMkLst>
+            <pc:docMk/>
+            <pc:sldMk cId="0" sldId="273"/>
+            <ac:spMk id="2" creationId="{00000000-0000-0000-0000-000000000000}"/>
+          </ac:spMkLst>
+        </pc:spChg>
+      </pc:sldChg>
+      <pc:sldChg chg="modSp mod">
+        <pc:chgData name="Marin Fotache" userId="9233cd031198ef03" providerId="LiveId" clId="{89A55169-219E-2643-9E2F-6A1B7B17708F}" dt="2022-02-20T07:02:36.148" v="122" actId="20577"/>
+        <pc:sldMkLst>
+          <pc:docMk/>
+          <pc:sldMk cId="0" sldId="275"/>
+        </pc:sldMkLst>
+        <pc:spChg chg="mod">
+          <ac:chgData name="Marin Fotache" userId="9233cd031198ef03" providerId="LiveId" clId="{89A55169-219E-2643-9E2F-6A1B7B17708F}" dt="2022-02-20T07:02:36.148" v="122" actId="20577"/>
+          <ac:spMkLst>
+            <pc:docMk/>
+            <pc:sldMk cId="0" sldId="275"/>
+            <ac:spMk id="54275" creationId="{00000000-0000-0000-0000-000000000000}"/>
+          </ac:spMkLst>
+        </pc:spChg>
+      </pc:sldChg>
+      <pc:sldChg chg="modSp mod">
+        <pc:chgData name="Marin Fotache" userId="9233cd031198ef03" providerId="LiveId" clId="{89A55169-219E-2643-9E2F-6A1B7B17708F}" dt="2022-02-20T06:59:00.638" v="4" actId="1035"/>
+        <pc:sldMkLst>
+          <pc:docMk/>
+          <pc:sldMk cId="0" sldId="286"/>
+        </pc:sldMkLst>
+        <pc:graphicFrameChg chg="mod">
+          <ac:chgData name="Marin Fotache" userId="9233cd031198ef03" providerId="LiveId" clId="{89A55169-219E-2643-9E2F-6A1B7B17708F}" dt="2022-02-20T06:59:00.638" v="4" actId="1035"/>
+          <ac:graphicFrameMkLst>
+            <pc:docMk/>
+            <pc:sldMk cId="0" sldId="286"/>
+            <ac:graphicFrameMk id="1026" creationId="{00000000-0000-0000-0000-000000000000}"/>
+          </ac:graphicFrameMkLst>
+        </pc:graphicFrameChg>
+      </pc:sldChg>
+      <pc:sldChg chg="modSp mod">
+        <pc:chgData name="Marin Fotache" userId="9233cd031198ef03" providerId="LiveId" clId="{89A55169-219E-2643-9E2F-6A1B7B17708F}" dt="2022-02-20T07:00:51.345" v="50" actId="20577"/>
+        <pc:sldMkLst>
+          <pc:docMk/>
+          <pc:sldMk cId="0" sldId="292"/>
+        </pc:sldMkLst>
+        <pc:spChg chg="mod">
+          <ac:chgData name="Marin Fotache" userId="9233cd031198ef03" providerId="LiveId" clId="{89A55169-219E-2643-9E2F-6A1B7B17708F}" dt="2022-02-20T07:00:51.345" v="50" actId="20577"/>
+          <ac:spMkLst>
+            <pc:docMk/>
+            <pc:sldMk cId="0" sldId="292"/>
+            <ac:spMk id="33795" creationId="{00000000-0000-0000-0000-000000000000}"/>
+          </ac:spMkLst>
+        </pc:spChg>
+      </pc:sldChg>
+      <pc:sldChg chg="modSp mod">
+        <pc:chgData name="Marin Fotache" userId="9233cd031198ef03" providerId="LiveId" clId="{89A55169-219E-2643-9E2F-6A1B7B17708F}" dt="2022-02-20T06:58:38.306" v="0" actId="114"/>
+        <pc:sldMkLst>
+          <pc:docMk/>
+          <pc:sldMk cId="1871617684" sldId="330"/>
+        </pc:sldMkLst>
+        <pc:spChg chg="mod">
+          <ac:chgData name="Marin Fotache" userId="9233cd031198ef03" providerId="LiveId" clId="{89A55169-219E-2643-9E2F-6A1B7B17708F}" dt="2022-02-20T06:58:38.306" v="0" actId="114"/>
+          <ac:spMkLst>
+            <pc:docMk/>
+            <pc:sldMk cId="1871617684" sldId="330"/>
+            <ac:spMk id="15363" creationId="{00000000-0000-0000-0000-000000000000}"/>
+          </ac:spMkLst>
+        </pc:spChg>
+      </pc:sldChg>
+      <pc:sldChg chg="modSp mod">
+        <pc:chgData name="Marin Fotache" userId="9233cd031198ef03" providerId="LiveId" clId="{89A55169-219E-2643-9E2F-6A1B7B17708F}" dt="2022-02-20T07:01:54.462" v="71" actId="20577"/>
+        <pc:sldMkLst>
+          <pc:docMk/>
+          <pc:sldMk cId="3022330088" sldId="331"/>
+        </pc:sldMkLst>
+        <pc:spChg chg="mod">
+          <ac:chgData name="Marin Fotache" userId="9233cd031198ef03" providerId="LiveId" clId="{89A55169-219E-2643-9E2F-6A1B7B17708F}" dt="2022-02-20T07:01:54.462" v="71" actId="20577"/>
+          <ac:spMkLst>
+            <pc:docMk/>
+            <pc:sldMk cId="3022330088" sldId="331"/>
+            <ac:spMk id="52227" creationId="{00000000-0000-0000-0000-000000000000}"/>
+          </ac:spMkLst>
+        </pc:spChg>
+      </pc:sldChg>
+    </pc:docChg>
+  </pc:docChgLst>
 </pc:chgInfo>
 </file>
 
@@ -414,7 +513,7 @@
             <a:fld id="{FCC5CB2E-E12D-4328-B570-FBC4F29E3D11}" type="datetimeFigureOut">
               <a:rPr lang="en-US" smtClean="0"/>
               <a:pPr/>
-              <a:t>2/15/21</a:t>
+              <a:t>2/20/22</a:t>
             </a:fld>
             <a:endParaRPr lang="en-US"/>
           </a:p>
@@ -2240,7 +2339,7 @@
           <a:lstStyle/>
           <a:p>
             <a:fld id="{E283C4F9-C31D-5E4D-ADDD-74881D703AEC}" type="datetimeFigureOut">
-              <a:t>15/02/2021</a:t>
+              <a:t>20.02.2022</a:t>
             </a:fld>
             <a:endParaRPr lang="en-US"/>
           </a:p>
@@ -2406,7 +2505,7 @@
           <a:lstStyle/>
           <a:p>
             <a:fld id="{E283C4F9-C31D-5E4D-ADDD-74881D703AEC}" type="datetimeFigureOut">
-              <a:t>15/02/2021</a:t>
+              <a:t>20.02.2022</a:t>
             </a:fld>
             <a:endParaRPr lang="en-US"/>
           </a:p>
@@ -2649,7 +2748,7 @@
           <a:lstStyle/>
           <a:p>
             <a:fld id="{E283C4F9-C31D-5E4D-ADDD-74881D703AEC}" type="datetimeFigureOut">
-              <a:t>15/02/2021</a:t>
+              <a:t>20.02.2022</a:t>
             </a:fld>
             <a:endParaRPr lang="en-US"/>
           </a:p>
@@ -2932,7 +3031,7 @@
           <a:lstStyle/>
           <a:p>
             <a:fld id="{E283C4F9-C31D-5E4D-ADDD-74881D703AEC}" type="datetimeFigureOut">
-              <a:t>15/02/2021</a:t>
+              <a:t>20.02.2022</a:t>
             </a:fld>
             <a:endParaRPr lang="en-US"/>
           </a:p>
@@ -3349,7 +3448,7 @@
           <a:lstStyle/>
           <a:p>
             <a:fld id="{E283C4F9-C31D-5E4D-ADDD-74881D703AEC}" type="datetimeFigureOut">
-              <a:t>15/02/2021</a:t>
+              <a:t>20.02.2022</a:t>
             </a:fld>
             <a:endParaRPr lang="en-US"/>
           </a:p>
@@ -3464,7 +3563,7 @@
           <a:lstStyle/>
           <a:p>
             <a:fld id="{E283C4F9-C31D-5E4D-ADDD-74881D703AEC}" type="datetimeFigureOut">
-              <a:t>15/02/2021</a:t>
+              <a:t>20.02.2022</a:t>
             </a:fld>
             <a:endParaRPr lang="en-US"/>
           </a:p>
@@ -3743,7 +3842,7 @@
           <a:lstStyle/>
           <a:p>
             <a:fld id="{E283C4F9-C31D-5E4D-ADDD-74881D703AEC}" type="datetimeFigureOut">
-              <a:t>15/02/2021</a:t>
+              <a:t>20.02.2022</a:t>
             </a:fld>
             <a:endParaRPr lang="en-US"/>
           </a:p>
@@ -4016,7 +4115,7 @@
           <a:lstStyle/>
           <a:p>
             <a:fld id="{E283C4F9-C31D-5E4D-ADDD-74881D703AEC}" type="datetimeFigureOut">
-              <a:t>15/02/2021</a:t>
+              <a:t>20.02.2022</a:t>
             </a:fld>
             <a:endParaRPr lang="en-US"/>
           </a:p>
@@ -4266,7 +4365,7 @@
           <a:lstStyle/>
           <a:p>
             <a:fld id="{E283C4F9-C31D-5E4D-ADDD-74881D703AEC}" type="datetimeFigureOut">
-              <a:t>15/02/2021</a:t>
+              <a:t>20.02.2022</a:t>
             </a:fld>
             <a:endParaRPr lang="en-US"/>
           </a:p>
@@ -4432,7 +4531,7 @@
           <a:lstStyle/>
           <a:p>
             <a:fld id="{E283C4F9-C31D-5E4D-ADDD-74881D703AEC}" type="datetimeFigureOut">
-              <a:t>15/02/2021</a:t>
+              <a:t>20.02.2022</a:t>
             </a:fld>
             <a:endParaRPr lang="en-US"/>
           </a:p>
@@ -4608,7 +4707,7 @@
           <a:lstStyle/>
           <a:p>
             <a:fld id="{E283C4F9-C31D-5E4D-ADDD-74881D703AEC}" type="datetimeFigureOut">
-              <a:t>15/02/2021</a:t>
+              <a:t>20.02.2022</a:t>
             </a:fld>
             <a:endParaRPr lang="en-US"/>
           </a:p>
@@ -8211,7 +8310,7 @@
           </a:lstStyle>
           <a:p>
             <a:fld id="{E283C4F9-C31D-5E4D-ADDD-74881D703AEC}" type="datetimeFigureOut">
-              <a:t>15/02/2021</a:t>
+              <a:t>20.02.2022</a:t>
             </a:fld>
             <a:endParaRPr lang="en-US"/>
           </a:p>
@@ -9731,14 +9830,14 @@
                       <a:effectLst/>
                       <a:extLst>
                         <a:ext uri="{909E8E84-426E-40dd-AFC4-6F175D3DCCD1}">
-                          <a14:hiddenFill xmlns:a14="http://schemas.microsoft.com/office/drawing/2010/main" xmlns="">
+                          <a14:hiddenFill xmlns="" xmlns:a14="http://schemas.microsoft.com/office/drawing/2010/main">
                             <a:solidFill>
                               <a:schemeClr val="accent1"/>
                             </a:solidFill>
                           </a14:hiddenFill>
                         </a:ext>
                         <a:ext uri="{91240B29-F687-4f45-9708-019B960494DF}">
-                          <a14:hiddenLine xmlns:a14="http://schemas.microsoft.com/office/drawing/2010/main" xmlns="" w="9525">
+                          <a14:hiddenLine xmlns="" xmlns:a14="http://schemas.microsoft.com/office/drawing/2010/main" w="9525">
                             <a:solidFill>
                               <a:schemeClr val="tx1"/>
                             </a:solidFill>
@@ -9748,7 +9847,7 @@
                           </a14:hiddenLine>
                         </a:ext>
                         <a:ext uri="{AF507438-7753-43e0-B8FC-AC1667EBCBE1}">
-                          <a14:hiddenEffects xmlns:a14="http://schemas.microsoft.com/office/drawing/2010/main" xmlns="">
+                          <a14:hiddenEffects xmlns="" xmlns:a14="http://schemas.microsoft.com/office/drawing/2010/main">
                             <a:effectLst>
                               <a:outerShdw blurRad="63500" dist="38099" dir="2700000" algn="ctr" rotWithShape="0">
                                 <a:schemeClr val="bg2">
@@ -9854,14 +9953,14 @@
                       <a:effectLst/>
                       <a:extLst>
                         <a:ext uri="{909E8E84-426E-40dd-AFC4-6F175D3DCCD1}">
-                          <a14:hiddenFill xmlns:a14="http://schemas.microsoft.com/office/drawing/2010/main" xmlns="">
+                          <a14:hiddenFill xmlns="" xmlns:a14="http://schemas.microsoft.com/office/drawing/2010/main">
                             <a:solidFill>
                               <a:schemeClr val="accent1"/>
                             </a:solidFill>
                           </a14:hiddenFill>
                         </a:ext>
                         <a:ext uri="{91240B29-F687-4f45-9708-019B960494DF}">
-                          <a14:hiddenLine xmlns:a14="http://schemas.microsoft.com/office/drawing/2010/main" xmlns="" w="9525">
+                          <a14:hiddenLine xmlns="" xmlns:a14="http://schemas.microsoft.com/office/drawing/2010/main" w="9525">
                             <a:solidFill>
                               <a:schemeClr val="tx1"/>
                             </a:solidFill>
@@ -9871,7 +9970,7 @@
                           </a14:hiddenLine>
                         </a:ext>
                         <a:ext uri="{AF507438-7753-43e0-B8FC-AC1667EBCBE1}">
-                          <a14:hiddenEffects xmlns:a14="http://schemas.microsoft.com/office/drawing/2010/main" xmlns="">
+                          <a14:hiddenEffects xmlns="" xmlns:a14="http://schemas.microsoft.com/office/drawing/2010/main">
                             <a:effectLst>
                               <a:outerShdw blurRad="63500" dist="38099" dir="2700000" algn="ctr" rotWithShape="0">
                                 <a:schemeClr val="bg2">
@@ -9949,14 +10048,14 @@
                       <a:effectLst/>
                       <a:extLst>
                         <a:ext uri="{909E8E84-426E-40dd-AFC4-6F175D3DCCD1}">
-                          <a14:hiddenFill xmlns:a14="http://schemas.microsoft.com/office/drawing/2010/main" xmlns="">
+                          <a14:hiddenFill xmlns="" xmlns:a14="http://schemas.microsoft.com/office/drawing/2010/main">
                             <a:solidFill>
                               <a:schemeClr val="accent1"/>
                             </a:solidFill>
                           </a14:hiddenFill>
                         </a:ext>
                         <a:ext uri="{91240B29-F687-4f45-9708-019B960494DF}">
-                          <a14:hiddenLine xmlns:a14="http://schemas.microsoft.com/office/drawing/2010/main" xmlns="" w="9525">
+                          <a14:hiddenLine xmlns="" xmlns:a14="http://schemas.microsoft.com/office/drawing/2010/main" w="9525">
                             <a:solidFill>
                               <a:schemeClr val="tx1"/>
                             </a:solidFill>
@@ -9966,7 +10065,7 @@
                           </a14:hiddenLine>
                         </a:ext>
                         <a:ext uri="{AF507438-7753-43e0-B8FC-AC1667EBCBE1}">
-                          <a14:hiddenEffects xmlns:a14="http://schemas.microsoft.com/office/drawing/2010/main" xmlns="">
+                          <a14:hiddenEffects xmlns="" xmlns:a14="http://schemas.microsoft.com/office/drawing/2010/main">
                             <a:effectLst>
                               <a:outerShdw blurRad="63500" dist="38099" dir="2700000" algn="ctr" rotWithShape="0">
                                 <a:schemeClr val="bg2">
@@ -14454,8 +14553,20 @@
               <a:t>direc</a:t>
             </a:r>
             <a:r>
+              <a:rPr lang="ro-RO" dirty="0" err="1"/>
+              <a:t>ţia</a:t>
+            </a:r>
+            <a:r>
               <a:rPr lang="ro-RO" dirty="0"/>
-              <a:t>ţia orientării pe obiecte)</a:t>
+              <a:t> </a:t>
+            </a:r>
+            <a:r>
+              <a:rPr lang="ro-RO" i="1" dirty="0"/>
+              <a:t>orientării pe obiecte</a:t>
+            </a:r>
+            <a:r>
+              <a:rPr lang="ro-RO" dirty="0"/>
+              <a:t>)</a:t>
             </a:r>
           </a:p>
           <a:p>
@@ -14497,7 +14608,21 @@
             </a:r>
             <a:r>
               <a:rPr lang="ro-RO" dirty="0"/>
-              <a:t> considerată atomică, alteori neatomică !!!</a:t>
+              <a:t> considerată uneori atomică, alteori neatomică (este clar, nu-i </a:t>
+            </a:r>
+            <a:r>
+              <a:rPr lang="ro-RO" dirty="0" err="1"/>
+              <a:t>aşa</a:t>
+            </a:r>
+            <a:r>
+              <a:rPr lang="ro-RO" dirty="0">
+                <a:sym typeface="Wingdings" pitchFamily="2" charset="2"/>
+              </a:rPr>
+              <a:t>?)</a:t>
+            </a:r>
+            <a:r>
+              <a:rPr lang="ro-RO" dirty="0"/>
+              <a:t> !!!</a:t>
             </a:r>
             <a:r>
               <a:rPr lang="en-US" dirty="0"/>
@@ -14732,14 +14857,14 @@
                       <a:effectLst/>
                       <a:extLst>
                         <a:ext uri="{909E8E84-426E-40dd-AFC4-6F175D3DCCD1}">
-                          <a14:hiddenFill xmlns:a14="http://schemas.microsoft.com/office/drawing/2010/main" xmlns="">
+                          <a14:hiddenFill xmlns="" xmlns:a14="http://schemas.microsoft.com/office/drawing/2010/main">
                             <a:solidFill>
                               <a:schemeClr val="accent1"/>
                             </a:solidFill>
                           </a14:hiddenFill>
                         </a:ext>
                         <a:ext uri="{91240B29-F687-4f45-9708-019B960494DF}">
-                          <a14:hiddenLine xmlns:a14="http://schemas.microsoft.com/office/drawing/2010/main" xmlns="" w="9525">
+                          <a14:hiddenLine xmlns="" xmlns:a14="http://schemas.microsoft.com/office/drawing/2010/main" w="9525">
                             <a:solidFill>
                               <a:schemeClr val="tx1"/>
                             </a:solidFill>
@@ -14749,7 +14874,7 @@
                           </a14:hiddenLine>
                         </a:ext>
                         <a:ext uri="{AF507438-7753-43e0-B8FC-AC1667EBCBE1}">
-                          <a14:hiddenEffects xmlns:a14="http://schemas.microsoft.com/office/drawing/2010/main" xmlns="">
+                          <a14:hiddenEffects xmlns="" xmlns:a14="http://schemas.microsoft.com/office/drawing/2010/main">
                             <a:effectLst>
                               <a:outerShdw blurRad="63500" dist="38099" dir="2700000" algn="ctr" rotWithShape="0">
                                 <a:schemeClr val="bg2">
@@ -18797,49 +18922,98 @@
           <a:lstStyle/>
           <a:p>
             <a:r>
-              <a:rPr lang="en-US"/>
+              <a:rPr lang="en-US" dirty="0"/>
               <a:t>Edgar F. Codd</a:t>
             </a:r>
             <a:r>
-              <a:rPr lang="ro-RO"/>
+              <a:rPr lang="ro-RO" dirty="0"/>
               <a:t> (1923</a:t>
             </a:r>
             <a:r>
-              <a:rPr lang="en-US"/>
+              <a:rPr lang="en-US" dirty="0"/>
               <a:t>-</a:t>
             </a:r>
             <a:r>
-              <a:rPr lang="ro-RO"/>
+              <a:rPr lang="ro-RO" dirty="0"/>
               <a:t>2003)</a:t>
             </a:r>
-            <a:endParaRPr lang="en-US"/>
-          </a:p>
-          <a:p>
-            <a:r>
-              <a:rPr lang="en-US"/>
+            <a:endParaRPr lang="en-US" dirty="0"/>
+          </a:p>
+          <a:p>
+            <a:r>
+              <a:rPr lang="en-US" dirty="0" err="1"/>
               <a:t>Matematician</a:t>
             </a:r>
-          </a:p>
-          <a:p>
-            <a:r>
-              <a:rPr lang="en-US"/>
-              <a:t>Angajat al IBM</a:t>
-            </a:r>
-          </a:p>
-          <a:p>
-            <a:r>
-              <a:rPr lang="en-US"/>
-              <a:t>1969: raport intern IBM</a:t>
-            </a:r>
-          </a:p>
-          <a:p>
-            <a:r>
-              <a:rPr lang="en-US"/>
-              <a:t>1970: un articol celebru publicat </a:t>
-            </a:r>
-            <a:r>
-              <a:rPr lang="ro-RO"/>
-              <a:t>în Communications of the ACM</a:t>
+            <a:endParaRPr lang="en-US" dirty="0"/>
+          </a:p>
+          <a:p>
+            <a:r>
+              <a:rPr lang="en-US" dirty="0" err="1"/>
+              <a:t>Angajat</a:t>
+            </a:r>
+            <a:r>
+              <a:rPr lang="en-US" dirty="0"/>
+              <a:t> al IBM</a:t>
+            </a:r>
+          </a:p>
+          <a:p>
+            <a:r>
+              <a:rPr lang="en-US" dirty="0"/>
+              <a:t>1969: </a:t>
+            </a:r>
+            <a:r>
+              <a:rPr lang="en-US" dirty="0" err="1"/>
+              <a:t>raport</a:t>
+            </a:r>
+            <a:r>
+              <a:rPr lang="en-US" dirty="0"/>
+              <a:t> intern IBM</a:t>
+            </a:r>
+          </a:p>
+          <a:p>
+            <a:r>
+              <a:rPr lang="en-US" dirty="0"/>
+              <a:t>1970: un </a:t>
+            </a:r>
+            <a:r>
+              <a:rPr lang="en-US" dirty="0" err="1"/>
+              <a:t>articol</a:t>
+            </a:r>
+            <a:r>
+              <a:rPr lang="en-US" dirty="0"/>
+              <a:t> </a:t>
+            </a:r>
+            <a:r>
+              <a:rPr lang="en-US" dirty="0" err="1"/>
+              <a:t>celebru</a:t>
+            </a:r>
+            <a:r>
+              <a:rPr lang="en-US" dirty="0"/>
+              <a:t> </a:t>
+            </a:r>
+            <a:r>
+              <a:rPr lang="en-US" dirty="0" err="1"/>
+              <a:t>publicat</a:t>
+            </a:r>
+            <a:r>
+              <a:rPr lang="en-US" dirty="0"/>
+              <a:t> </a:t>
+            </a:r>
+            <a:r>
+              <a:rPr lang="ro-RO" dirty="0"/>
+              <a:t>în </a:t>
+            </a:r>
+            <a:r>
+              <a:rPr lang="ro-RO" i="1" dirty="0"/>
+              <a:t>Communications of </a:t>
+            </a:r>
+            <a:r>
+              <a:rPr lang="ro-RO" i="1" dirty="0" err="1"/>
+              <a:t>the</a:t>
+            </a:r>
+            <a:r>
+              <a:rPr lang="ro-RO" i="1" dirty="0"/>
+              <a:t> ACM</a:t>
             </a:r>
           </a:p>
           <a:p>
@@ -18848,23 +19022,31 @@
               <a:buNone/>
             </a:pPr>
             <a:r>
-              <a:rPr lang="ro-RO" sz="2400">
+              <a:rPr lang="ro-RO" sz="2400" dirty="0">
                 <a:hlinkClick r:id="rId2"/>
               </a:rPr>
               <a:t>http://www.seas.upenn.edu/~zives/03f/cis550/codd.pdf</a:t>
             </a:r>
-            <a:endParaRPr lang="ro-RO" sz="2400"/>
-          </a:p>
-          <a:p>
-            <a:r>
-              <a:rPr lang="en-US"/>
+            <a:endParaRPr lang="ro-RO" sz="2400" dirty="0"/>
+          </a:p>
+          <a:p>
+            <a:r>
+              <a:rPr lang="en-US" dirty="0"/>
               <a:t>Critic</a:t>
             </a:r>
             <a:r>
-              <a:rPr lang="ro-RO"/>
-              <a:t>ă modelul ierarhic şi propune un model de date fundamentat matematic, bazat pe logica predicatelor</a:t>
-            </a:r>
-            <a:endParaRPr lang="en-US"/>
+              <a:rPr lang="ro-RO" dirty="0"/>
+              <a:t>ă modelul ierarhic </a:t>
+            </a:r>
+            <a:r>
+              <a:rPr lang="ro-RO" dirty="0" err="1"/>
+              <a:t>şi</a:t>
+            </a:r>
+            <a:r>
+              <a:rPr lang="ro-RO" dirty="0"/>
+              <a:t> propune un model de date fundamentat matematic, bazat pe logica predicatelor</a:t>
+            </a:r>
+            <a:endParaRPr lang="en-US" dirty="0"/>
           </a:p>
         </p:txBody>
       </p:sp>
@@ -23040,14 +23222,14 @@
                       <a:effectLst/>
                       <a:extLst>
                         <a:ext uri="{909E8E84-426E-40dd-AFC4-6F175D3DCCD1}">
-                          <a14:hiddenFill xmlns:a14="http://schemas.microsoft.com/office/drawing/2010/main" xmlns="">
+                          <a14:hiddenFill xmlns="" xmlns:a14="http://schemas.microsoft.com/office/drawing/2010/main">
                             <a:solidFill>
                               <a:schemeClr val="accent1"/>
                             </a:solidFill>
                           </a14:hiddenFill>
                         </a:ext>
                         <a:ext uri="{91240B29-F687-4f45-9708-019B960494DF}">
-                          <a14:hiddenLine xmlns:a14="http://schemas.microsoft.com/office/drawing/2010/main" xmlns="" w="9525">
+                          <a14:hiddenLine xmlns="" xmlns:a14="http://schemas.microsoft.com/office/drawing/2010/main" w="9525">
                             <a:solidFill>
                               <a:schemeClr val="tx1"/>
                             </a:solidFill>
@@ -23057,7 +23239,7 @@
                           </a14:hiddenLine>
                         </a:ext>
                         <a:ext uri="{AF507438-7753-43e0-B8FC-AC1667EBCBE1}">
-                          <a14:hiddenEffects xmlns:a14="http://schemas.microsoft.com/office/drawing/2010/main" xmlns="">
+                          <a14:hiddenEffects xmlns="" xmlns:a14="http://schemas.microsoft.com/office/drawing/2010/main">
                             <a:effectLst>
                               <a:outerShdw blurRad="63500" dist="38099" dir="2700000" algn="ctr" rotWithShape="0">
                                 <a:schemeClr val="bg2">
@@ -27906,7 +28088,31 @@
               <a:rPr lang="en-US" dirty="0">
                 <a:latin typeface="Arial Unicode MS"/>
               </a:rPr>
-              <a:t>Teme de discu</a:t>
+              <a:t>(</a:t>
+            </a:r>
+            <a:r>
+              <a:rPr lang="en-US" dirty="0" err="1">
+                <a:latin typeface="Arial Unicode MS"/>
+              </a:rPr>
+              <a:t>Posibile</a:t>
+            </a:r>
+            <a:r>
+              <a:rPr lang="en-US" dirty="0">
+                <a:latin typeface="Arial Unicode MS"/>
+              </a:rPr>
+              <a:t>) </a:t>
+            </a:r>
+            <a:r>
+              <a:rPr lang="en-US" dirty="0" err="1">
+                <a:latin typeface="Arial Unicode MS"/>
+              </a:rPr>
+              <a:t>Teme</a:t>
+            </a:r>
+            <a:r>
+              <a:rPr lang="en-US" dirty="0">
+                <a:latin typeface="Arial Unicode MS"/>
+              </a:rPr>
+              <a:t> de discu</a:t>
             </a:r>
             <a:r>
               <a:rPr lang="ro-RO" dirty="0">
@@ -28144,190 +28350,514 @@
           <a:p>
             <a:pPr algn="just" eaLnBrk="1" hangingPunct="1"/>
             <a:r>
-              <a:rPr lang="ro-RO"/>
+              <a:rPr lang="ro-RO" dirty="0"/>
               <a:t>V</a:t>
             </a:r>
             <a:r>
-              <a:rPr lang="en-US">
+              <a:rPr lang="en-US" dirty="0" err="1">
                 <a:cs typeface="Times New Roman" pitchFamily="18" charset="0"/>
               </a:rPr>
-              <a:t>iew (</a:t>
-            </a:r>
-            <a:r>
-              <a:rPr lang="ro-RO"/>
+              <a:t>iew</a:t>
+            </a:r>
+            <a:r>
+              <a:rPr lang="en-US" dirty="0">
+                <a:cs typeface="Times New Roman" pitchFamily="18" charset="0"/>
+              </a:rPr>
+              <a:t> (</a:t>
+            </a:r>
+            <a:r>
+              <a:rPr lang="ro-RO" dirty="0" err="1"/>
               <a:t>engl</a:t>
             </a:r>
             <a:r>
-              <a:rPr lang="en-US">
+              <a:rPr lang="en-US" dirty="0">
                 <a:cs typeface="Times New Roman" pitchFamily="18" charset="0"/>
               </a:rPr>
               <a:t>)</a:t>
             </a:r>
             <a:r>
-              <a:rPr lang="ro-RO"/>
+              <a:rPr lang="ro-RO" dirty="0"/>
               <a:t> - </a:t>
             </a:r>
             <a:r>
-              <a:rPr lang="en-US">
+              <a:rPr lang="en-US" dirty="0">
                 <a:cs typeface="Times New Roman" pitchFamily="18" charset="0"/>
               </a:rPr>
-              <a:t>imagine, relaţie (tabelă) virtuală, derivată</a:t>
-            </a:r>
-            <a:r>
-              <a:rPr lang="en-US" b="1">
+              <a:t>imagine, </a:t>
+            </a:r>
+            <a:r>
+              <a:rPr lang="en-US" dirty="0" err="1">
                 <a:cs typeface="Times New Roman" pitchFamily="18" charset="0"/>
               </a:rPr>
+              <a:t>relaţie</a:t>
+            </a:r>
+            <a:r>
+              <a:rPr lang="en-US" dirty="0">
+                <a:cs typeface="Times New Roman" pitchFamily="18" charset="0"/>
+              </a:rPr>
+              <a:t> (</a:t>
+            </a:r>
+            <a:r>
+              <a:rPr lang="en-US" dirty="0" err="1">
+                <a:cs typeface="Times New Roman" pitchFamily="18" charset="0"/>
+              </a:rPr>
+              <a:t>tabelă</a:t>
+            </a:r>
+            <a:r>
+              <a:rPr lang="en-US" dirty="0">
+                <a:cs typeface="Times New Roman" pitchFamily="18" charset="0"/>
+              </a:rPr>
+              <a:t>) </a:t>
+            </a:r>
+            <a:r>
+              <a:rPr lang="en-US" dirty="0" err="1">
+                <a:cs typeface="Times New Roman" pitchFamily="18" charset="0"/>
+              </a:rPr>
+              <a:t>virtuală</a:t>
+            </a:r>
+            <a:r>
+              <a:rPr lang="en-US" dirty="0">
+                <a:cs typeface="Times New Roman" pitchFamily="18" charset="0"/>
+              </a:rPr>
+              <a:t>, </a:t>
+            </a:r>
+            <a:r>
+              <a:rPr lang="en-US" dirty="0" err="1">
+                <a:cs typeface="Times New Roman" pitchFamily="18" charset="0"/>
+              </a:rPr>
+              <a:t>derivată</a:t>
+            </a:r>
+            <a:r>
+              <a:rPr lang="en-US" b="1" dirty="0">
+                <a:cs typeface="Times New Roman" pitchFamily="18" charset="0"/>
+              </a:rPr>
               <a:t> </a:t>
             </a:r>
             <a:r>
-              <a:rPr lang="en-US">
+              <a:rPr lang="en-US" dirty="0" err="1">
                 <a:cs typeface="Times New Roman" pitchFamily="18" charset="0"/>
               </a:rPr>
               <a:t>sau</a:t>
             </a:r>
             <a:r>
-              <a:rPr lang="en-US" b="1">
+              <a:rPr lang="en-US" b="1" dirty="0">
                 <a:cs typeface="Times New Roman" pitchFamily="18" charset="0"/>
               </a:rPr>
               <a:t> </a:t>
             </a:r>
             <a:r>
-              <a:rPr lang="en-US">
+              <a:rPr lang="en-US" dirty="0" err="1">
                 <a:cs typeface="Times New Roman" pitchFamily="18" charset="0"/>
               </a:rPr>
-              <a:t>dinamică. </a:t>
-            </a:r>
-            <a:endParaRPr lang="ro-RO"/>
+              <a:t>dinamică</a:t>
+            </a:r>
+            <a:r>
+              <a:rPr lang="en-US" dirty="0">
+                <a:cs typeface="Times New Roman" pitchFamily="18" charset="0"/>
+              </a:rPr>
+              <a:t>. </a:t>
+            </a:r>
+            <a:endParaRPr lang="ro-RO" dirty="0"/>
           </a:p>
           <a:p>
             <a:pPr algn="just" eaLnBrk="1" hangingPunct="1"/>
             <a:r>
-              <a:rPr lang="en-US">
+              <a:rPr lang="en-US" dirty="0">
                 <a:cs typeface="Times New Roman" pitchFamily="18" charset="0"/>
               </a:rPr>
               <a:t>O </a:t>
             </a:r>
             <a:r>
-              <a:rPr lang="ro-RO">
+              <a:rPr lang="ro-RO" dirty="0">
                 <a:cs typeface="Times New Roman" pitchFamily="18" charset="0"/>
               </a:rPr>
               <a:t>tabelă</a:t>
             </a:r>
             <a:r>
-              <a:rPr lang="en-US">
+              <a:rPr lang="en-US" dirty="0">
                 <a:cs typeface="Times New Roman" pitchFamily="18" charset="0"/>
               </a:rPr>
-              <a:t> virtuală stabileşte o legătură semantică între </a:t>
-            </a:r>
-            <a:r>
-              <a:rPr lang="ro-RO">
+              <a:t> </a:t>
+            </a:r>
+            <a:r>
+              <a:rPr lang="en-US" dirty="0" err="1">
                 <a:cs typeface="Times New Roman" pitchFamily="18" charset="0"/>
               </a:rPr>
-              <a:t>tabele obişnuite</a:t>
-            </a:r>
-            <a:r>
-              <a:rPr lang="en-US">
+              <a:t>virtuală</a:t>
+            </a:r>
+            <a:r>
+              <a:rPr lang="en-US" dirty="0">
                 <a:cs typeface="Times New Roman" pitchFamily="18" charset="0"/>
               </a:rPr>
               <a:t> </a:t>
             </a:r>
             <a:r>
-              <a:rPr lang="ro-RO">
+              <a:rPr lang="en-US" dirty="0" err="1">
                 <a:cs typeface="Times New Roman" pitchFamily="18" charset="0"/>
               </a:rPr>
+              <a:t>stabileşte</a:t>
+            </a:r>
+            <a:r>
+              <a:rPr lang="en-US" dirty="0">
+                <a:cs typeface="Times New Roman" pitchFamily="18" charset="0"/>
+              </a:rPr>
+              <a:t> o </a:t>
+            </a:r>
+            <a:r>
+              <a:rPr lang="en-US" dirty="0" err="1">
+                <a:cs typeface="Times New Roman" pitchFamily="18" charset="0"/>
+              </a:rPr>
+              <a:t>legătură</a:t>
+            </a:r>
+            <a:r>
+              <a:rPr lang="en-US" dirty="0">
+                <a:cs typeface="Times New Roman" pitchFamily="18" charset="0"/>
+              </a:rPr>
+              <a:t> </a:t>
+            </a:r>
+            <a:r>
+              <a:rPr lang="en-US" dirty="0" err="1">
+                <a:cs typeface="Times New Roman" pitchFamily="18" charset="0"/>
+              </a:rPr>
+              <a:t>semantică</a:t>
+            </a:r>
+            <a:r>
+              <a:rPr lang="en-US" dirty="0">
+                <a:cs typeface="Times New Roman" pitchFamily="18" charset="0"/>
+              </a:rPr>
+              <a:t> </a:t>
+            </a:r>
+            <a:r>
+              <a:rPr lang="en-US" dirty="0" err="1">
+                <a:cs typeface="Times New Roman" pitchFamily="18" charset="0"/>
+              </a:rPr>
+              <a:t>între</a:t>
+            </a:r>
+            <a:r>
+              <a:rPr lang="en-US" dirty="0">
+                <a:cs typeface="Times New Roman" pitchFamily="18" charset="0"/>
+              </a:rPr>
+              <a:t> </a:t>
+            </a:r>
+            <a:r>
+              <a:rPr lang="ro-RO" dirty="0">
+                <a:cs typeface="Times New Roman" pitchFamily="18" charset="0"/>
+              </a:rPr>
+              <a:t>tabele </a:t>
+            </a:r>
+            <a:r>
+              <a:rPr lang="ro-RO" dirty="0" err="1">
+                <a:cs typeface="Times New Roman" pitchFamily="18" charset="0"/>
+              </a:rPr>
+              <a:t>obişnuite</a:t>
+            </a:r>
+            <a:r>
+              <a:rPr lang="en-US" dirty="0">
+                <a:cs typeface="Times New Roman" pitchFamily="18" charset="0"/>
+              </a:rPr>
+              <a:t> </a:t>
+            </a:r>
+            <a:r>
+              <a:rPr lang="ro-RO" dirty="0">
+                <a:cs typeface="Times New Roman" pitchFamily="18" charset="0"/>
+              </a:rPr>
               <a:t>(</a:t>
             </a:r>
             <a:r>
-              <a:rPr lang="en-US">
+              <a:rPr lang="en-US" dirty="0">
                 <a:cs typeface="Times New Roman" pitchFamily="18" charset="0"/>
               </a:rPr>
               <a:t>statice</a:t>
             </a:r>
             <a:r>
-              <a:rPr lang="ro-RO">
+              <a:rPr lang="ro-RO" dirty="0">
                 <a:cs typeface="Times New Roman" pitchFamily="18" charset="0"/>
               </a:rPr>
               <a:t>)</a:t>
             </a:r>
             <a:r>
-              <a:rPr lang="en-US">
+              <a:rPr lang="en-US" dirty="0">
                 <a:cs typeface="Times New Roman" pitchFamily="18" charset="0"/>
               </a:rPr>
-              <a:t> şi/sau alte </a:t>
-            </a:r>
-            <a:r>
-              <a:rPr lang="ro-RO">
+              <a:t> </a:t>
+            </a:r>
+            <a:r>
+              <a:rPr lang="en-US" dirty="0" err="1">
                 <a:cs typeface="Times New Roman" pitchFamily="18" charset="0"/>
               </a:rPr>
+              <a:t>şi</a:t>
+            </a:r>
+            <a:r>
+              <a:rPr lang="en-US" dirty="0">
+                <a:cs typeface="Times New Roman" pitchFamily="18" charset="0"/>
+              </a:rPr>
+              <a:t>/</a:t>
+            </a:r>
+            <a:r>
+              <a:rPr lang="en-US" dirty="0" err="1">
+                <a:cs typeface="Times New Roman" pitchFamily="18" charset="0"/>
+              </a:rPr>
+              <a:t>sau</a:t>
+            </a:r>
+            <a:r>
+              <a:rPr lang="en-US" dirty="0">
+                <a:cs typeface="Times New Roman" pitchFamily="18" charset="0"/>
+              </a:rPr>
+              <a:t> </a:t>
+            </a:r>
+            <a:r>
+              <a:rPr lang="en-US" dirty="0" err="1">
+                <a:cs typeface="Times New Roman" pitchFamily="18" charset="0"/>
+              </a:rPr>
+              <a:t>alte</a:t>
+            </a:r>
+            <a:r>
+              <a:rPr lang="en-US" dirty="0">
+                <a:cs typeface="Times New Roman" pitchFamily="18" charset="0"/>
+              </a:rPr>
+              <a:t> </a:t>
+            </a:r>
+            <a:r>
+              <a:rPr lang="ro-RO" dirty="0">
+                <a:cs typeface="Times New Roman" pitchFamily="18" charset="0"/>
+              </a:rPr>
               <a:t>tabele virtuale (</a:t>
             </a:r>
             <a:r>
-              <a:rPr lang="en-US">
+              <a:rPr lang="en-US" dirty="0" err="1">
                 <a:cs typeface="Times New Roman" pitchFamily="18" charset="0"/>
               </a:rPr>
               <a:t>dinamice</a:t>
             </a:r>
             <a:r>
-              <a:rPr lang="ro-RO">
+              <a:rPr lang="ro-RO" dirty="0">
                 <a:cs typeface="Times New Roman" pitchFamily="18" charset="0"/>
               </a:rPr>
               <a:t>)</a:t>
             </a:r>
             <a:r>
-              <a:rPr lang="en-US">
+              <a:rPr lang="en-US" dirty="0">
                 <a:cs typeface="Times New Roman" pitchFamily="18" charset="0"/>
               </a:rPr>
-              <a:t>, nefiind definită explicit, prin tupluri proprii, ca o </a:t>
-            </a:r>
-            <a:r>
-              <a:rPr lang="ro-RO">
+              <a:t>, </a:t>
+            </a:r>
+            <a:r>
+              <a:rPr lang="en-US" dirty="0" err="1">
                 <a:cs typeface="Times New Roman" pitchFamily="18" charset="0"/>
               </a:rPr>
+              <a:t>nefiind</a:t>
+            </a:r>
+            <a:r>
+              <a:rPr lang="en-US" dirty="0">
+                <a:cs typeface="Times New Roman" pitchFamily="18" charset="0"/>
+              </a:rPr>
+              <a:t> </a:t>
+            </a:r>
+            <a:r>
+              <a:rPr lang="en-US" dirty="0" err="1">
+                <a:cs typeface="Times New Roman" pitchFamily="18" charset="0"/>
+              </a:rPr>
+              <a:t>definită</a:t>
+            </a:r>
+            <a:r>
+              <a:rPr lang="en-US" dirty="0">
+                <a:cs typeface="Times New Roman" pitchFamily="18" charset="0"/>
+              </a:rPr>
+              <a:t> explicit, </a:t>
+            </a:r>
+            <a:r>
+              <a:rPr lang="en-US" dirty="0" err="1">
+                <a:cs typeface="Times New Roman" pitchFamily="18" charset="0"/>
+              </a:rPr>
+              <a:t>prin</a:t>
+            </a:r>
+            <a:r>
+              <a:rPr lang="en-US" dirty="0">
+                <a:cs typeface="Times New Roman" pitchFamily="18" charset="0"/>
+              </a:rPr>
+              <a:t> </a:t>
+            </a:r>
+            <a:r>
+              <a:rPr lang="en-US" dirty="0" err="1">
+                <a:cs typeface="Times New Roman" pitchFamily="18" charset="0"/>
+              </a:rPr>
+              <a:t>tupluri</a:t>
+            </a:r>
+            <a:r>
+              <a:rPr lang="en-US" dirty="0">
+                <a:cs typeface="Times New Roman" pitchFamily="18" charset="0"/>
+              </a:rPr>
+              <a:t> </a:t>
+            </a:r>
+            <a:r>
+              <a:rPr lang="en-US" dirty="0" err="1">
+                <a:cs typeface="Times New Roman" pitchFamily="18" charset="0"/>
+              </a:rPr>
+              <a:t>proprii</a:t>
+            </a:r>
+            <a:r>
+              <a:rPr lang="en-US" dirty="0">
+                <a:cs typeface="Times New Roman" pitchFamily="18" charset="0"/>
+              </a:rPr>
+              <a:t>, ca o </a:t>
+            </a:r>
+            <a:r>
+              <a:rPr lang="ro-RO" dirty="0">
+                <a:cs typeface="Times New Roman" pitchFamily="18" charset="0"/>
+              </a:rPr>
               <a:t>tabelă</a:t>
             </a:r>
             <a:r>
-              <a:rPr lang="en-US">
+              <a:rPr lang="en-US" dirty="0">
                 <a:cs typeface="Times New Roman" pitchFamily="18" charset="0"/>
               </a:rPr>
-              <a:t> de bază (statică), ci printr-o expresie relaţională. </a:t>
-            </a:r>
-            <a:endParaRPr lang="ro-RO"/>
+              <a:t> de </a:t>
+            </a:r>
+            <a:r>
+              <a:rPr lang="en-US" dirty="0" err="1">
+                <a:cs typeface="Times New Roman" pitchFamily="18" charset="0"/>
+              </a:rPr>
+              <a:t>bază</a:t>
+            </a:r>
+            <a:r>
+              <a:rPr lang="en-US" dirty="0">
+                <a:cs typeface="Times New Roman" pitchFamily="18" charset="0"/>
+              </a:rPr>
+              <a:t> (</a:t>
+            </a:r>
+            <a:r>
+              <a:rPr lang="en-US" dirty="0" err="1">
+                <a:cs typeface="Times New Roman" pitchFamily="18" charset="0"/>
+              </a:rPr>
+              <a:t>statică</a:t>
+            </a:r>
+            <a:r>
+              <a:rPr lang="en-US" dirty="0">
+                <a:cs typeface="Times New Roman" pitchFamily="18" charset="0"/>
+              </a:rPr>
+              <a:t>), ci </a:t>
+            </a:r>
+            <a:r>
+              <a:rPr lang="en-US" dirty="0" err="1">
+                <a:cs typeface="Times New Roman" pitchFamily="18" charset="0"/>
+              </a:rPr>
+              <a:t>printr</a:t>
+            </a:r>
+            <a:r>
+              <a:rPr lang="en-US" dirty="0">
+                <a:cs typeface="Times New Roman" pitchFamily="18" charset="0"/>
+              </a:rPr>
+              <a:t>-o </a:t>
+            </a:r>
+            <a:r>
+              <a:rPr lang="en-US" dirty="0" err="1">
+                <a:cs typeface="Times New Roman" pitchFamily="18" charset="0"/>
+              </a:rPr>
+              <a:t>expresie</a:t>
+            </a:r>
+            <a:r>
+              <a:rPr lang="en-US" dirty="0">
+                <a:cs typeface="Times New Roman" pitchFamily="18" charset="0"/>
+              </a:rPr>
+              <a:t> </a:t>
+            </a:r>
+            <a:r>
+              <a:rPr lang="en-US" dirty="0" err="1">
+                <a:cs typeface="Times New Roman" pitchFamily="18" charset="0"/>
+              </a:rPr>
+              <a:t>relaţională</a:t>
+            </a:r>
+            <a:r>
+              <a:rPr lang="en-US" dirty="0">
+                <a:cs typeface="Times New Roman" pitchFamily="18" charset="0"/>
+              </a:rPr>
+              <a:t>. </a:t>
+            </a:r>
+            <a:endParaRPr lang="ro-RO" dirty="0"/>
           </a:p>
           <a:p>
             <a:pPr algn="just" eaLnBrk="1" hangingPunct="1"/>
             <a:r>
-              <a:rPr lang="ro-RO"/>
-              <a:t>Pt. t</a:t>
-            </a:r>
-            <a:r>
-              <a:rPr lang="en-US">
+              <a:rPr lang="ro-RO" dirty="0"/>
+              <a:t>Pentru t</a:t>
+            </a:r>
+            <a:r>
+              <a:rPr lang="en-US" dirty="0" err="1">
                 <a:cs typeface="Times New Roman" pitchFamily="18" charset="0"/>
               </a:rPr>
               <a:t>abel</a:t>
             </a:r>
             <a:r>
-              <a:rPr lang="ro-RO">
+              <a:rPr lang="ro-RO" dirty="0">
                 <a:cs typeface="Times New Roman" pitchFamily="18" charset="0"/>
               </a:rPr>
               <a:t>ele</a:t>
             </a:r>
             <a:r>
-              <a:rPr lang="en-US">
+              <a:rPr lang="en-US" dirty="0">
                 <a:cs typeface="Times New Roman" pitchFamily="18" charset="0"/>
               </a:rPr>
               <a:t> virtual</a:t>
             </a:r>
             <a:r>
-              <a:rPr lang="ro-RO">
+              <a:rPr lang="ro-RO" dirty="0">
                 <a:cs typeface="Times New Roman" pitchFamily="18" charset="0"/>
               </a:rPr>
-              <a:t>e</a:t>
-            </a:r>
-            <a:r>
-              <a:rPr lang="en-US">
+              <a:t>e,</a:t>
+            </a:r>
+            <a:r>
+              <a:rPr lang="en-US" dirty="0">
                 <a:cs typeface="Times New Roman" pitchFamily="18" charset="0"/>
               </a:rPr>
-              <a:t> pe disc se memorează  numai schema, nu şi conţinutul.</a:t>
+              <a:t> pe disc se </a:t>
+            </a:r>
+            <a:r>
+              <a:rPr lang="en-US" dirty="0" err="1">
+                <a:cs typeface="Times New Roman" pitchFamily="18" charset="0"/>
+              </a:rPr>
+              <a:t>memorează</a:t>
+            </a:r>
+            <a:r>
+              <a:rPr lang="en-US" dirty="0">
+                <a:cs typeface="Times New Roman" pitchFamily="18" charset="0"/>
+              </a:rPr>
+              <a:t>  </a:t>
+            </a:r>
+            <a:r>
+              <a:rPr lang="en-US" dirty="0" err="1">
+                <a:cs typeface="Times New Roman" pitchFamily="18" charset="0"/>
+              </a:rPr>
+              <a:t>numai</a:t>
+            </a:r>
+            <a:r>
+              <a:rPr lang="en-US" dirty="0">
+                <a:cs typeface="Times New Roman" pitchFamily="18" charset="0"/>
+              </a:rPr>
+              <a:t> schema, nu </a:t>
+            </a:r>
+            <a:r>
+              <a:rPr lang="en-US" dirty="0" err="1">
+                <a:cs typeface="Times New Roman" pitchFamily="18" charset="0"/>
+              </a:rPr>
+              <a:t>şi</a:t>
+            </a:r>
+            <a:r>
+              <a:rPr lang="en-US" dirty="0">
+                <a:cs typeface="Times New Roman" pitchFamily="18" charset="0"/>
+              </a:rPr>
+              <a:t> </a:t>
+            </a:r>
+            <a:r>
+              <a:rPr lang="en-US" dirty="0" err="1">
+                <a:cs typeface="Times New Roman" pitchFamily="18" charset="0"/>
+              </a:rPr>
+              <a:t>conţinutul</a:t>
+            </a:r>
+            <a:r>
+              <a:rPr lang="en-US" dirty="0">
+                <a:cs typeface="Times New Roman" pitchFamily="18" charset="0"/>
+              </a:rPr>
+              <a:t>.</a:t>
             </a:r>
           </a:p>
           <a:p>
@@ -28335,7 +28865,7 @@
               <a:buFontTx/>
               <a:buNone/>
             </a:pPr>
-            <a:endParaRPr lang="en-US"/>
+            <a:endParaRPr lang="en-US" dirty="0"/>
           </a:p>
         </p:txBody>
       </p:sp>
@@ -28715,38 +29245,164 @@
               </a:lnSpc>
             </a:pPr>
             <a:r>
-              <a:rPr lang="en-US" sz="2800" i="1">
+              <a:rPr lang="en-US" sz="2800" i="1" dirty="0" err="1">
                 <a:cs typeface="Times New Roman" pitchFamily="18" charset="0"/>
               </a:rPr>
               <a:t>Declanşatorul</a:t>
             </a:r>
             <a:r>
-              <a:rPr lang="en-US" sz="2800">
+              <a:rPr lang="en-US" sz="2800" dirty="0">
                 <a:cs typeface="Times New Roman" pitchFamily="18" charset="0"/>
               </a:rPr>
-              <a:t> (trigger) este un tip special de procedură stocată care este executată automat </a:t>
-            </a:r>
-            <a:r>
-              <a:rPr lang="ro-RO" sz="2800"/>
+              <a:t> (trigger) </a:t>
+            </a:r>
+            <a:r>
+              <a:rPr lang="en-US" sz="2800" dirty="0" err="1">
+                <a:cs typeface="Times New Roman" pitchFamily="18" charset="0"/>
+              </a:rPr>
+              <a:t>este</a:t>
+            </a:r>
+            <a:r>
+              <a:rPr lang="en-US" sz="2800" dirty="0">
+                <a:cs typeface="Times New Roman" pitchFamily="18" charset="0"/>
+              </a:rPr>
+              <a:t> un tip special de </a:t>
+            </a:r>
+            <a:r>
+              <a:rPr lang="en-US" sz="2800" dirty="0" err="1">
+                <a:cs typeface="Times New Roman" pitchFamily="18" charset="0"/>
+              </a:rPr>
+              <a:t>procedură</a:t>
+            </a:r>
+            <a:r>
+              <a:rPr lang="en-US" sz="2800" dirty="0">
+                <a:cs typeface="Times New Roman" pitchFamily="18" charset="0"/>
+              </a:rPr>
+              <a:t> </a:t>
+            </a:r>
+            <a:r>
+              <a:rPr lang="en-US" sz="2800" dirty="0" err="1">
+                <a:cs typeface="Times New Roman" pitchFamily="18" charset="0"/>
+              </a:rPr>
+              <a:t>stocată</a:t>
+            </a:r>
+            <a:r>
+              <a:rPr lang="en-US" sz="2800" dirty="0">
+                <a:cs typeface="Times New Roman" pitchFamily="18" charset="0"/>
+              </a:rPr>
+              <a:t> care </a:t>
+            </a:r>
+            <a:r>
+              <a:rPr lang="en-US" sz="2800" dirty="0" err="1">
+                <a:cs typeface="Times New Roman" pitchFamily="18" charset="0"/>
+              </a:rPr>
+              <a:t>este</a:t>
+            </a:r>
+            <a:r>
+              <a:rPr lang="en-US" sz="2800" dirty="0">
+                <a:cs typeface="Times New Roman" pitchFamily="18" charset="0"/>
+              </a:rPr>
+              <a:t> </a:t>
+            </a:r>
+            <a:r>
+              <a:rPr lang="en-US" sz="2800" dirty="0" err="1">
+                <a:cs typeface="Times New Roman" pitchFamily="18" charset="0"/>
+              </a:rPr>
+              <a:t>executată</a:t>
+            </a:r>
+            <a:r>
+              <a:rPr lang="en-US" sz="2800" dirty="0">
+                <a:cs typeface="Times New Roman" pitchFamily="18" charset="0"/>
+              </a:rPr>
+              <a:t> automat </a:t>
+            </a:r>
+            <a:r>
+              <a:rPr lang="ro-RO" sz="2800" dirty="0"/>
               <a:t>odată cu</a:t>
             </a:r>
             <a:r>
-              <a:rPr lang="en-US" sz="2800">
+              <a:rPr lang="en-US" sz="2800" dirty="0">
                 <a:cs typeface="Times New Roman" pitchFamily="18" charset="0"/>
               </a:rPr>
-              <a:t> un eveniment predefinit (</a:t>
-            </a:r>
-            <a:r>
-              <a:rPr lang="ro-RO" sz="2800"/>
+              <a:t> un </a:t>
+            </a:r>
+            <a:r>
+              <a:rPr lang="en-US" sz="2800" dirty="0" err="1">
+                <a:cs typeface="Times New Roman" pitchFamily="18" charset="0"/>
+              </a:rPr>
+              <a:t>eveniment</a:t>
+            </a:r>
+            <a:r>
+              <a:rPr lang="en-US" sz="2800" dirty="0">
+                <a:cs typeface="Times New Roman" pitchFamily="18" charset="0"/>
+              </a:rPr>
+              <a:t> </a:t>
+            </a:r>
+            <a:r>
+              <a:rPr lang="en-US" sz="2800" dirty="0" err="1">
+                <a:cs typeface="Times New Roman" pitchFamily="18" charset="0"/>
+              </a:rPr>
+              <a:t>predefinit</a:t>
+            </a:r>
+            <a:r>
+              <a:rPr lang="en-US" sz="2800" dirty="0">
+                <a:cs typeface="Times New Roman" pitchFamily="18" charset="0"/>
+              </a:rPr>
+              <a:t> (</a:t>
+            </a:r>
+            <a:r>
+              <a:rPr lang="ro-RO" sz="2800" dirty="0"/>
               <a:t>ex. </a:t>
             </a:r>
             <a:r>
-              <a:rPr lang="en-US" sz="2800">
+              <a:rPr lang="en-US" sz="2800" dirty="0" err="1">
                 <a:cs typeface="Times New Roman" pitchFamily="18" charset="0"/>
               </a:rPr>
-              <a:t>inserare, actualizare sau ştergere) </a:t>
-            </a:r>
-            <a:endParaRPr lang="ro-RO" sz="2800"/>
+              <a:t>inserare</a:t>
+            </a:r>
+            <a:r>
+              <a:rPr lang="en-US" sz="2800" dirty="0">
+                <a:cs typeface="Times New Roman" pitchFamily="18" charset="0"/>
+              </a:rPr>
+              <a:t>, </a:t>
+            </a:r>
+            <a:r>
+              <a:rPr lang="en-US" sz="2800" dirty="0" err="1">
+                <a:cs typeface="Times New Roman" pitchFamily="18" charset="0"/>
+              </a:rPr>
+              <a:t>actualizare</a:t>
+            </a:r>
+            <a:r>
+              <a:rPr lang="en-US" sz="2800" dirty="0">
+                <a:cs typeface="Times New Roman" pitchFamily="18" charset="0"/>
+              </a:rPr>
+              <a:t> </a:t>
+            </a:r>
+            <a:r>
+              <a:rPr lang="en-US" sz="2800" dirty="0" err="1">
+                <a:cs typeface="Times New Roman" pitchFamily="18" charset="0"/>
+              </a:rPr>
+              <a:t>sau</a:t>
+            </a:r>
+            <a:r>
+              <a:rPr lang="en-US" sz="2800" dirty="0">
+                <a:cs typeface="Times New Roman" pitchFamily="18" charset="0"/>
+              </a:rPr>
+              <a:t> </a:t>
+            </a:r>
+            <a:r>
+              <a:rPr lang="en-US" sz="2800" dirty="0" err="1">
+                <a:cs typeface="Times New Roman" pitchFamily="18" charset="0"/>
+              </a:rPr>
+              <a:t>ştergere</a:t>
+            </a:r>
+            <a:r>
+              <a:rPr lang="en-US" sz="2800" dirty="0">
+                <a:cs typeface="Times New Roman" pitchFamily="18" charset="0"/>
+              </a:rPr>
+              <a:t>) </a:t>
+            </a:r>
+            <a:endParaRPr lang="ro-RO" sz="2800" dirty="0"/>
           </a:p>
           <a:p>
             <a:pPr algn="just" eaLnBrk="1" hangingPunct="1">
@@ -28755,8 +29411,12 @@
               </a:lnSpc>
             </a:pPr>
             <a:r>
-              <a:rPr lang="ro-RO" sz="2800"/>
-              <a:t>Facilităţi:</a:t>
+              <a:rPr lang="ro-RO" sz="2800" dirty="0" err="1"/>
+              <a:t>Facilităţi</a:t>
+            </a:r>
+            <a:r>
+              <a:rPr lang="ro-RO" sz="2800" dirty="0"/>
+              <a:t>:</a:t>
             </a:r>
           </a:p>
           <a:p>
@@ -28766,12 +29426,54 @@
               </a:lnSpc>
             </a:pPr>
             <a:r>
-              <a:rPr lang="en-US">
+              <a:rPr lang="en-US" dirty="0" err="1">
                 <a:cs typeface="Times New Roman" pitchFamily="18" charset="0"/>
               </a:rPr>
-              <a:t>actualizarea automată a unor atribute calculate</a:t>
-            </a:r>
-            <a:endParaRPr lang="ro-RO"/>
+              <a:t>actualizarea</a:t>
+            </a:r>
+            <a:r>
+              <a:rPr lang="en-US" dirty="0">
+                <a:cs typeface="Times New Roman" pitchFamily="18" charset="0"/>
+              </a:rPr>
+              <a:t> </a:t>
+            </a:r>
+            <a:r>
+              <a:rPr lang="en-US" dirty="0" err="1">
+                <a:cs typeface="Times New Roman" pitchFamily="18" charset="0"/>
+              </a:rPr>
+              <a:t>automată</a:t>
+            </a:r>
+            <a:r>
+              <a:rPr lang="en-US" dirty="0">
+                <a:cs typeface="Times New Roman" pitchFamily="18" charset="0"/>
+              </a:rPr>
+              <a:t> a </a:t>
+            </a:r>
+            <a:r>
+              <a:rPr lang="en-US" dirty="0" err="1">
+                <a:cs typeface="Times New Roman" pitchFamily="18" charset="0"/>
+              </a:rPr>
+              <a:t>unor</a:t>
+            </a:r>
+            <a:r>
+              <a:rPr lang="en-US" dirty="0">
+                <a:cs typeface="Times New Roman" pitchFamily="18" charset="0"/>
+              </a:rPr>
+              <a:t> </a:t>
+            </a:r>
+            <a:r>
+              <a:rPr lang="en-US" dirty="0" err="1">
+                <a:cs typeface="Times New Roman" pitchFamily="18" charset="0"/>
+              </a:rPr>
+              <a:t>atribute</a:t>
+            </a:r>
+            <a:r>
+              <a:rPr lang="en-US" dirty="0">
+                <a:cs typeface="Times New Roman" pitchFamily="18" charset="0"/>
+              </a:rPr>
+              <a:t> calculate</a:t>
+            </a:r>
+            <a:endParaRPr lang="ro-RO" dirty="0"/>
           </a:p>
           <a:p>
             <a:pPr lvl="1" algn="just" eaLnBrk="1" hangingPunct="1">
@@ -28780,8 +29482,12 @@
               </a:lnSpc>
             </a:pPr>
             <a:r>
-              <a:rPr lang="ro-RO"/>
-              <a:t>restricţii utilizator complexe</a:t>
+              <a:rPr lang="ro-RO" dirty="0" err="1"/>
+              <a:t>restricţii</a:t>
+            </a:r>
+            <a:r>
+              <a:rPr lang="ro-RO" dirty="0"/>
+              <a:t> utilizator complexe</a:t>
             </a:r>
           </a:p>
           <a:p>
@@ -28791,22 +29497,58 @@
               </a:lnSpc>
             </a:pPr>
             <a:r>
-              <a:rPr lang="en-US">
+              <a:rPr lang="en-US" dirty="0" err="1">
                 <a:cs typeface="Times New Roman" pitchFamily="18" charset="0"/>
               </a:rPr>
-              <a:t>jurnalizarea </a:t>
-            </a:r>
-            <a:r>
-              <a:rPr lang="ro-RO"/>
+              <a:t>jurnalizarea</a:t>
+            </a:r>
+            <a:r>
+              <a:rPr lang="en-US" dirty="0">
+                <a:cs typeface="Times New Roman" pitchFamily="18" charset="0"/>
+              </a:rPr>
+              <a:t> </a:t>
+            </a:r>
+            <a:r>
+              <a:rPr lang="ro-RO" dirty="0"/>
               <a:t>actualiză</a:t>
             </a:r>
             <a:r>
-              <a:rPr lang="en-US">
+              <a:rPr lang="en-US" dirty="0" err="1">
                 <a:cs typeface="Times New Roman" pitchFamily="18" charset="0"/>
               </a:rPr>
-              <a:t>modificărilor suferite de baza de date, </a:t>
-            </a:r>
-            <a:endParaRPr lang="ro-RO"/>
+              <a:t>modificărilor</a:t>
+            </a:r>
+            <a:r>
+              <a:rPr lang="en-US" dirty="0">
+                <a:cs typeface="Times New Roman" pitchFamily="18" charset="0"/>
+              </a:rPr>
+              <a:t> </a:t>
+            </a:r>
+            <a:r>
+              <a:rPr lang="en-US" dirty="0" err="1">
+                <a:cs typeface="Times New Roman" pitchFamily="18" charset="0"/>
+              </a:rPr>
+              <a:t>suferite</a:t>
+            </a:r>
+            <a:r>
+              <a:rPr lang="en-US" dirty="0">
+                <a:cs typeface="Times New Roman" pitchFamily="18" charset="0"/>
+              </a:rPr>
+              <a:t> de </a:t>
+            </a:r>
+            <a:r>
+              <a:rPr lang="en-US" dirty="0" err="1">
+                <a:cs typeface="Times New Roman" pitchFamily="18" charset="0"/>
+              </a:rPr>
+              <a:t>baza</a:t>
+            </a:r>
+            <a:r>
+              <a:rPr lang="en-US" dirty="0">
+                <a:cs typeface="Times New Roman" pitchFamily="18" charset="0"/>
+              </a:rPr>
+              <a:t> de date, </a:t>
+            </a:r>
+            <a:endParaRPr lang="ro-RO" dirty="0"/>
           </a:p>
           <a:p>
             <a:pPr lvl="1" algn="just" eaLnBrk="1" hangingPunct="1">
@@ -28815,12 +29557,42 @@
               </a:lnSpc>
             </a:pPr>
             <a:r>
-              <a:rPr lang="en-US">
+              <a:rPr lang="en-US" dirty="0" err="1">
                 <a:cs typeface="Times New Roman" pitchFamily="18" charset="0"/>
               </a:rPr>
-              <a:t>păstrarea integrităţii referenţiale etc.</a:t>
-            </a:r>
-            <a:endParaRPr lang="en-US"/>
+              <a:t>păstrarea</a:t>
+            </a:r>
+            <a:r>
+              <a:rPr lang="en-US" dirty="0">
+                <a:cs typeface="Times New Roman" pitchFamily="18" charset="0"/>
+              </a:rPr>
+              <a:t> </a:t>
+            </a:r>
+            <a:r>
+              <a:rPr lang="en-US" dirty="0" err="1">
+                <a:cs typeface="Times New Roman" pitchFamily="18" charset="0"/>
+              </a:rPr>
+              <a:t>integrităţii</a:t>
+            </a:r>
+            <a:r>
+              <a:rPr lang="en-US" dirty="0">
+                <a:cs typeface="Times New Roman" pitchFamily="18" charset="0"/>
+              </a:rPr>
+              <a:t> </a:t>
+            </a:r>
+            <a:r>
+              <a:rPr lang="en-US" dirty="0" err="1">
+                <a:cs typeface="Times New Roman" pitchFamily="18" charset="0"/>
+              </a:rPr>
+              <a:t>referenţiale</a:t>
+            </a:r>
+            <a:r>
+              <a:rPr lang="en-US" dirty="0">
+                <a:cs typeface="Times New Roman" pitchFamily="18" charset="0"/>
+              </a:rPr>
+              <a:t> etc.</a:t>
+            </a:r>
+            <a:endParaRPr lang="en-US" dirty="0"/>
           </a:p>
           <a:p>
             <a:pPr algn="just" eaLnBrk="1" hangingPunct="1">
@@ -28829,10 +29601,18 @@
               </a:lnSpc>
             </a:pPr>
             <a:r>
+              <a:rPr lang="ro-RO" sz="2800" dirty="0"/>
+              <a:t>Există o tipologie comună, însă apar și </a:t>
+            </a:r>
+            <a:r>
               <a:rPr lang="ro-RO" sz="2800"/>
-              <a:t>Tipologie diferită de la SGBD la SGBD</a:t>
-            </a:r>
-            <a:endParaRPr lang="en-US" sz="2800"/>
+              <a:t>diferențe de </a:t>
+            </a:r>
+            <a:r>
+              <a:rPr lang="ro-RO" sz="2800" dirty="0"/>
+              <a:t>la SGBD la SGBD</a:t>
+            </a:r>
+            <a:endParaRPr lang="en-US" sz="2800" dirty="0"/>
           </a:p>
         </p:txBody>
       </p:sp>
@@ -29756,13 +30536,13 @@
           <p:nvPr>
             <p:extLst>
               <p:ext uri="{D42A27DB-BD31-4B8C-83A1-F6EECF244321}">
-                <p14:modId xmlns:p14="http://schemas.microsoft.com/office/powerpoint/2010/main" val="481790937"/>
+                <p14:modId xmlns:p14="http://schemas.microsoft.com/office/powerpoint/2010/main" val="274426649"/>
               </p:ext>
             </p:extLst>
           </p:nvPr>
         </p:nvGraphicFramePr>
         <p:xfrm>
-          <a:off x="1140013" y="5516823"/>
+          <a:off x="1140013" y="5481655"/>
           <a:ext cx="7681912" cy="1365250"/>
         </p:xfrm>
         <a:graphic>
@@ -29799,7 +30579,7 @@
                     </p:blipFill>
                     <p:spPr bwMode="auto">
                       <a:xfrm>
-                        <a:off x="1140013" y="5516823"/>
+                        <a:off x="1140013" y="5481655"/>
                         <a:ext cx="7681912" cy="1365250"/>
                       </a:xfrm>
                       <a:prstGeom prst="rect">
@@ -29808,7 +30588,7 @@
                       <a:noFill/>
                       <a:extLst>
                         <a:ext uri="{909E8E84-426E-40dd-AFC4-6F175D3DCCD1}">
-                          <a14:hiddenFill xmlns:a14="http://schemas.microsoft.com/office/drawing/2010/main" xmlns="">
+                          <a14:hiddenFill xmlns="" xmlns:a14="http://schemas.microsoft.com/office/drawing/2010/main">
                             <a:solidFill>
                               <a:srgbClr val="FFFFFF"/>
                             </a:solidFill>
